--- a/Capstone-Presentation.pptx
+++ b/Capstone-Presentation.pptx
@@ -8,10 +8,12 @@
     <p:sldId id="256" r:id="rId2"/>
     <p:sldId id="258" r:id="rId3"/>
     <p:sldId id="261" r:id="rId4"/>
-    <p:sldId id="264" r:id="rId5"/>
-    <p:sldId id="260" r:id="rId6"/>
-    <p:sldId id="263" r:id="rId7"/>
-    <p:sldId id="259" r:id="rId8"/>
+    <p:sldId id="265" r:id="rId5"/>
+    <p:sldId id="264" r:id="rId6"/>
+    <p:sldId id="260" r:id="rId7"/>
+    <p:sldId id="263" r:id="rId8"/>
+    <p:sldId id="266" r:id="rId9"/>
+    <p:sldId id="259" r:id="rId10"/>
   </p:sldIdLst>
   <p:sldSz cx="12192000" cy="6858000"/>
   <p:notesSz cx="6858000" cy="9144000"/>
@@ -110,6 +112,11 @@
       </a:defRPr>
     </a:lvl9pPr>
   </p:defaultTextStyle>
+  <p:extLst>
+    <p:ext uri="{EFAFB233-063F-42B5-8137-9DF3F51BA10A}">
+      <p15:sldGuideLst xmlns:p15="http://schemas.microsoft.com/office/powerpoint/2012/main"/>
+    </p:ext>
+  </p:extLst>
 </p:presentation>
 </file>
 
@@ -244,7 +251,7 @@
           <a:p>
             <a:fld id="{B3C2DDE4-7892-4B37-BE2A-FBB148A6163C}" type="datetimeFigureOut">
               <a:rPr lang="en-GB" smtClean="0"/>
-              <a:t>01/05/2022</a:t>
+              <a:t>04/05/2022</a:t>
             </a:fld>
             <a:endParaRPr lang="en-GB"/>
           </a:p>
@@ -414,7 +421,7 @@
           <a:p>
             <a:fld id="{B3C2DDE4-7892-4B37-BE2A-FBB148A6163C}" type="datetimeFigureOut">
               <a:rPr lang="en-GB" smtClean="0"/>
-              <a:t>01/05/2022</a:t>
+              <a:t>04/05/2022</a:t>
             </a:fld>
             <a:endParaRPr lang="en-GB"/>
           </a:p>
@@ -594,7 +601,7 @@
           <a:p>
             <a:fld id="{B3C2DDE4-7892-4B37-BE2A-FBB148A6163C}" type="datetimeFigureOut">
               <a:rPr lang="en-GB" smtClean="0"/>
-              <a:t>01/05/2022</a:t>
+              <a:t>04/05/2022</a:t>
             </a:fld>
             <a:endParaRPr lang="en-GB"/>
           </a:p>
@@ -764,7 +771,7 @@
           <a:p>
             <a:fld id="{B3C2DDE4-7892-4B37-BE2A-FBB148A6163C}" type="datetimeFigureOut">
               <a:rPr lang="en-GB" smtClean="0"/>
-              <a:t>01/05/2022</a:t>
+              <a:t>04/05/2022</a:t>
             </a:fld>
             <a:endParaRPr lang="en-GB"/>
           </a:p>
@@ -1010,7 +1017,7 @@
           <a:p>
             <a:fld id="{B3C2DDE4-7892-4B37-BE2A-FBB148A6163C}" type="datetimeFigureOut">
               <a:rPr lang="en-GB" smtClean="0"/>
-              <a:t>01/05/2022</a:t>
+              <a:t>04/05/2022</a:t>
             </a:fld>
             <a:endParaRPr lang="en-GB"/>
           </a:p>
@@ -1242,7 +1249,7 @@
           <a:p>
             <a:fld id="{B3C2DDE4-7892-4B37-BE2A-FBB148A6163C}" type="datetimeFigureOut">
               <a:rPr lang="en-GB" smtClean="0"/>
-              <a:t>01/05/2022</a:t>
+              <a:t>04/05/2022</a:t>
             </a:fld>
             <a:endParaRPr lang="en-GB"/>
           </a:p>
@@ -1609,7 +1616,7 @@
           <a:p>
             <a:fld id="{B3C2DDE4-7892-4B37-BE2A-FBB148A6163C}" type="datetimeFigureOut">
               <a:rPr lang="en-GB" smtClean="0"/>
-              <a:t>01/05/2022</a:t>
+              <a:t>04/05/2022</a:t>
             </a:fld>
             <a:endParaRPr lang="en-GB"/>
           </a:p>
@@ -1727,7 +1734,7 @@
           <a:p>
             <a:fld id="{B3C2DDE4-7892-4B37-BE2A-FBB148A6163C}" type="datetimeFigureOut">
               <a:rPr lang="en-GB" smtClean="0"/>
-              <a:t>01/05/2022</a:t>
+              <a:t>04/05/2022</a:t>
             </a:fld>
             <a:endParaRPr lang="en-GB"/>
           </a:p>
@@ -1822,7 +1829,7 @@
           <a:p>
             <a:fld id="{B3C2DDE4-7892-4B37-BE2A-FBB148A6163C}" type="datetimeFigureOut">
               <a:rPr lang="en-GB" smtClean="0"/>
-              <a:t>01/05/2022</a:t>
+              <a:t>04/05/2022</a:t>
             </a:fld>
             <a:endParaRPr lang="en-GB"/>
           </a:p>
@@ -2099,7 +2106,7 @@
           <a:p>
             <a:fld id="{B3C2DDE4-7892-4B37-BE2A-FBB148A6163C}" type="datetimeFigureOut">
               <a:rPr lang="en-GB" smtClean="0"/>
-              <a:t>01/05/2022</a:t>
+              <a:t>04/05/2022</a:t>
             </a:fld>
             <a:endParaRPr lang="en-GB"/>
           </a:p>
@@ -2356,7 +2363,7 @@
           <a:p>
             <a:fld id="{B3C2DDE4-7892-4B37-BE2A-FBB148A6163C}" type="datetimeFigureOut">
               <a:rPr lang="en-GB" smtClean="0"/>
-              <a:t>01/05/2022</a:t>
+              <a:t>04/05/2022</a:t>
             </a:fld>
             <a:endParaRPr lang="en-GB"/>
           </a:p>
@@ -2569,7 +2576,7 @@
           <a:p>
             <a:fld id="{B3C2DDE4-7892-4B37-BE2A-FBB148A6163C}" type="datetimeFigureOut">
               <a:rPr lang="en-GB" smtClean="0"/>
-              <a:t>01/05/2022</a:t>
+              <a:t>04/05/2022</a:t>
             </a:fld>
             <a:endParaRPr lang="en-GB"/>
           </a:p>
@@ -3685,6 +3692,14 @@
 <file path=ppt/slides/slide3.xml><?xml version="1.0" encoding="utf-8"?>
 <p:sld xmlns:a="http://schemas.openxmlformats.org/drawingml/2006/main" xmlns:r="http://schemas.openxmlformats.org/officeDocument/2006/relationships" xmlns:p="http://schemas.openxmlformats.org/presentationml/2006/main">
   <p:cSld>
+    <p:bg>
+      <p:bgPr>
+        <a:solidFill>
+          <a:schemeClr val="bg1"/>
+        </a:solidFill>
+        <a:effectLst/>
+      </p:bgPr>
+    </p:bg>
     <p:spTree>
       <p:nvGrpSpPr>
         <p:cNvPr id="1" name=""/>
@@ -3699,6 +3714,322 @@
           <a:chExt cx="0" cy="0"/>
         </a:xfrm>
       </p:grpSpPr>
+      <p:pic>
+        <p:nvPicPr>
+          <p:cNvPr id="5" name="Picture 4" descr="Complex maths formulae on a blackboard">
+            <a:extLst>
+              <a:ext uri="{FF2B5EF4-FFF2-40B4-BE49-F238E27FC236}">
+                <a16:creationId xmlns:a16="http://schemas.microsoft.com/office/drawing/2014/main" id="{D6679B62-B48C-76CD-20BB-731C3AD25E06}"/>
+              </a:ext>
+            </a:extLst>
+          </p:cNvPr>
+          <p:cNvPicPr>
+            <a:picLocks noChangeAspect="1"/>
+          </p:cNvPicPr>
+          <p:nvPr/>
+        </p:nvPicPr>
+        <p:blipFill rotWithShape="1">
+          <a:blip r:embed="rId2"/>
+          <a:srcRect l="3168" r="10883" b="-1"/>
+          <a:stretch/>
+        </p:blipFill>
+        <p:spPr>
+          <a:xfrm>
+            <a:off x="4117521" y="10"/>
+            <a:ext cx="8074479" cy="6857990"/>
+          </a:xfrm>
+          <a:prstGeom prst="rect">
+            <a:avLst/>
+          </a:prstGeom>
+        </p:spPr>
+      </p:pic>
+      <p:sp>
+        <p:nvSpPr>
+          <p:cNvPr id="26" name="Freeform: Shape 19">
+            <a:extLst>
+              <a:ext uri="{FF2B5EF4-FFF2-40B4-BE49-F238E27FC236}">
+                <a16:creationId xmlns:a16="http://schemas.microsoft.com/office/drawing/2014/main" id="{8F23F8A3-8FD7-4779-8323-FDC26BE99889}"/>
+              </a:ext>
+              <a:ext uri="{C183D7F6-B498-43B3-948B-1728B52AA6E4}">
+                <adec:decorative xmlns:adec="http://schemas.microsoft.com/office/drawing/2017/decorative" val="1"/>
+              </a:ext>
+            </a:extLst>
+          </p:cNvPr>
+          <p:cNvSpPr>
+            <a:spLocks noGrp="1" noRot="1" noChangeAspect="1" noMove="1" noResize="1" noEditPoints="1" noAdjustHandles="1" noChangeArrowheads="1" noChangeShapeType="1" noTextEdit="1"/>
+          </p:cNvSpPr>
+          <p:nvPr>
+            <p:extLst>
+              <p:ext uri="{386F3935-93C4-4BCD-93E2-E3B085C9AB24}">
+                <p16:designElem xmlns:p16="http://schemas.microsoft.com/office/powerpoint/2015/main" val="1"/>
+              </p:ext>
+            </p:extLst>
+          </p:nvPr>
+        </p:nvSpPr>
+        <p:spPr>
+          <a:xfrm flipV="1">
+            <a:off x="0" y="-478"/>
+            <a:ext cx="7859800" cy="6858478"/>
+          </a:xfrm>
+          <a:custGeom>
+            <a:avLst/>
+            <a:gdLst>
+              <a:gd name="connsiteX0" fmla="*/ 7859800 w 7859800"/>
+              <a:gd name="connsiteY0" fmla="*/ 6858478 h 6858478"/>
+              <a:gd name="connsiteX1" fmla="*/ 435245 w 7859800"/>
+              <a:gd name="connsiteY1" fmla="*/ 6858478 h 6858478"/>
+              <a:gd name="connsiteX2" fmla="*/ 435505 w 7859800"/>
+              <a:gd name="connsiteY2" fmla="*/ 6857916 h 6858478"/>
+              <a:gd name="connsiteX3" fmla="*/ 0 w 7859800"/>
+              <a:gd name="connsiteY3" fmla="*/ 6857916 h 6858478"/>
+              <a:gd name="connsiteX4" fmla="*/ 0 w 7859800"/>
+              <a:gd name="connsiteY4" fmla="*/ 0 h 6858478"/>
+              <a:gd name="connsiteX5" fmla="*/ 3611620 w 7859800"/>
+              <a:gd name="connsiteY5" fmla="*/ 0 h 6858478"/>
+              <a:gd name="connsiteX6" fmla="*/ 4677848 w 7859800"/>
+              <a:gd name="connsiteY6" fmla="*/ 0 h 6858478"/>
+              <a:gd name="connsiteX7" fmla="*/ 4683425 w 7859800"/>
+              <a:gd name="connsiteY7" fmla="*/ 0 h 6858478"/>
+            </a:gdLst>
+            <a:ahLst/>
+            <a:cxnLst>
+              <a:cxn ang="0">
+                <a:pos x="connsiteX0" y="connsiteY0"/>
+              </a:cxn>
+              <a:cxn ang="0">
+                <a:pos x="connsiteX1" y="connsiteY1"/>
+              </a:cxn>
+              <a:cxn ang="0">
+                <a:pos x="connsiteX2" y="connsiteY2"/>
+              </a:cxn>
+              <a:cxn ang="0">
+                <a:pos x="connsiteX3" y="connsiteY3"/>
+              </a:cxn>
+              <a:cxn ang="0">
+                <a:pos x="connsiteX4" y="connsiteY4"/>
+              </a:cxn>
+              <a:cxn ang="0">
+                <a:pos x="connsiteX5" y="connsiteY5"/>
+              </a:cxn>
+              <a:cxn ang="0">
+                <a:pos x="connsiteX6" y="connsiteY6"/>
+              </a:cxn>
+              <a:cxn ang="0">
+                <a:pos x="connsiteX7" y="connsiteY7"/>
+              </a:cxn>
+            </a:cxnLst>
+            <a:rect l="l" t="t" r="r" b="b"/>
+            <a:pathLst>
+              <a:path w="7859800" h="6858478">
+                <a:moveTo>
+                  <a:pt x="7859800" y="6858478"/>
+                </a:moveTo>
+                <a:lnTo>
+                  <a:pt x="435245" y="6858478"/>
+                </a:lnTo>
+                <a:lnTo>
+                  <a:pt x="435505" y="6857916"/>
+                </a:lnTo>
+                <a:lnTo>
+                  <a:pt x="0" y="6857916"/>
+                </a:lnTo>
+                <a:lnTo>
+                  <a:pt x="0" y="0"/>
+                </a:lnTo>
+                <a:lnTo>
+                  <a:pt x="3611620" y="0"/>
+                </a:lnTo>
+                <a:lnTo>
+                  <a:pt x="4677848" y="0"/>
+                </a:lnTo>
+                <a:lnTo>
+                  <a:pt x="4683425" y="0"/>
+                </a:lnTo>
+                <a:close/>
+              </a:path>
+            </a:pathLst>
+          </a:custGeom>
+          <a:solidFill>
+            <a:schemeClr val="bg1">
+              <a:lumMod val="85000"/>
+              <a:lumOff val="15000"/>
+              <a:alpha val="70000"/>
+            </a:schemeClr>
+          </a:solidFill>
+          <a:ln>
+            <a:noFill/>
+          </a:ln>
+        </p:spPr>
+        <p:style>
+          <a:lnRef idx="2">
+            <a:schemeClr val="accent1">
+              <a:shade val="50000"/>
+            </a:schemeClr>
+          </a:lnRef>
+          <a:fillRef idx="1">
+            <a:schemeClr val="accent1"/>
+          </a:fillRef>
+          <a:effectRef idx="0">
+            <a:schemeClr val="accent1"/>
+          </a:effectRef>
+          <a:fontRef idx="minor">
+            <a:schemeClr val="lt1"/>
+          </a:fontRef>
+        </p:style>
+        <p:txBody>
+          <a:bodyPr wrap="square" rtlCol="0" anchor="ctr">
+            <a:noAutofit/>
+          </a:bodyPr>
+          <a:lstStyle/>
+          <a:p>
+            <a:pPr algn="ctr"/>
+            <a:endParaRPr lang="en-US"/>
+          </a:p>
+        </p:txBody>
+      </p:sp>
+      <p:sp>
+        <p:nvSpPr>
+          <p:cNvPr id="27" name="Freeform: Shape 21">
+            <a:extLst>
+              <a:ext uri="{FF2B5EF4-FFF2-40B4-BE49-F238E27FC236}">
+                <a16:creationId xmlns:a16="http://schemas.microsoft.com/office/drawing/2014/main" id="{F605C4CC-A25C-416F-8333-7CB7DC97D870}"/>
+              </a:ext>
+              <a:ext uri="{C183D7F6-B498-43B3-948B-1728B52AA6E4}">
+                <adec:decorative xmlns:adec="http://schemas.microsoft.com/office/drawing/2017/decorative" val="1"/>
+              </a:ext>
+            </a:extLst>
+          </p:cNvPr>
+          <p:cNvSpPr>
+            <a:spLocks noGrp="1" noRot="1" noChangeAspect="1" noMove="1" noResize="1" noEditPoints="1" noAdjustHandles="1" noChangeArrowheads="1" noChangeShapeType="1" noTextEdit="1"/>
+          </p:cNvSpPr>
+          <p:nvPr>
+            <p:extLst>
+              <p:ext uri="{386F3935-93C4-4BCD-93E2-E3B085C9AB24}">
+                <p16:designElem xmlns:p16="http://schemas.microsoft.com/office/powerpoint/2015/main" val="1"/>
+              </p:ext>
+            </p:extLst>
+          </p:nvPr>
+        </p:nvSpPr>
+        <p:spPr>
+          <a:xfrm flipV="1">
+            <a:off x="0" y="-478"/>
+            <a:ext cx="7431174" cy="6858478"/>
+          </a:xfrm>
+          <a:custGeom>
+            <a:avLst/>
+            <a:gdLst>
+              <a:gd name="connsiteX0" fmla="*/ 7431174 w 7431174"/>
+              <a:gd name="connsiteY0" fmla="*/ 6858478 h 6858478"/>
+              <a:gd name="connsiteX1" fmla="*/ 6619 w 7431174"/>
+              <a:gd name="connsiteY1" fmla="*/ 6858478 h 6858478"/>
+              <a:gd name="connsiteX2" fmla="*/ 6879 w 7431174"/>
+              <a:gd name="connsiteY2" fmla="*/ 6857916 h 6858478"/>
+              <a:gd name="connsiteX3" fmla="*/ 0 w 7431174"/>
+              <a:gd name="connsiteY3" fmla="*/ 6857916 h 6858478"/>
+              <a:gd name="connsiteX4" fmla="*/ 0 w 7431174"/>
+              <a:gd name="connsiteY4" fmla="*/ 0 h 6858478"/>
+              <a:gd name="connsiteX5" fmla="*/ 3182994 w 7431174"/>
+              <a:gd name="connsiteY5" fmla="*/ 0 h 6858478"/>
+              <a:gd name="connsiteX6" fmla="*/ 4249222 w 7431174"/>
+              <a:gd name="connsiteY6" fmla="*/ 0 h 6858478"/>
+              <a:gd name="connsiteX7" fmla="*/ 4254799 w 7431174"/>
+              <a:gd name="connsiteY7" fmla="*/ 0 h 6858478"/>
+            </a:gdLst>
+            <a:ahLst/>
+            <a:cxnLst>
+              <a:cxn ang="0">
+                <a:pos x="connsiteX0" y="connsiteY0"/>
+              </a:cxn>
+              <a:cxn ang="0">
+                <a:pos x="connsiteX1" y="connsiteY1"/>
+              </a:cxn>
+              <a:cxn ang="0">
+                <a:pos x="connsiteX2" y="connsiteY2"/>
+              </a:cxn>
+              <a:cxn ang="0">
+                <a:pos x="connsiteX3" y="connsiteY3"/>
+              </a:cxn>
+              <a:cxn ang="0">
+                <a:pos x="connsiteX4" y="connsiteY4"/>
+              </a:cxn>
+              <a:cxn ang="0">
+                <a:pos x="connsiteX5" y="connsiteY5"/>
+              </a:cxn>
+              <a:cxn ang="0">
+                <a:pos x="connsiteX6" y="connsiteY6"/>
+              </a:cxn>
+              <a:cxn ang="0">
+                <a:pos x="connsiteX7" y="connsiteY7"/>
+              </a:cxn>
+            </a:cxnLst>
+            <a:rect l="l" t="t" r="r" b="b"/>
+            <a:pathLst>
+              <a:path w="7431174" h="6858478">
+                <a:moveTo>
+                  <a:pt x="7431174" y="6858478"/>
+                </a:moveTo>
+                <a:lnTo>
+                  <a:pt x="6619" y="6858478"/>
+                </a:lnTo>
+                <a:lnTo>
+                  <a:pt x="6879" y="6857916"/>
+                </a:lnTo>
+                <a:lnTo>
+                  <a:pt x="0" y="6857916"/>
+                </a:lnTo>
+                <a:lnTo>
+                  <a:pt x="0" y="0"/>
+                </a:lnTo>
+                <a:lnTo>
+                  <a:pt x="3182994" y="0"/>
+                </a:lnTo>
+                <a:lnTo>
+                  <a:pt x="4249222" y="0"/>
+                </a:lnTo>
+                <a:lnTo>
+                  <a:pt x="4254799" y="0"/>
+                </a:lnTo>
+                <a:close/>
+              </a:path>
+            </a:pathLst>
+          </a:custGeom>
+          <a:solidFill>
+            <a:schemeClr val="bg1">
+              <a:lumMod val="85000"/>
+              <a:lumOff val="15000"/>
+            </a:schemeClr>
+          </a:solidFill>
+          <a:ln>
+            <a:noFill/>
+          </a:ln>
+        </p:spPr>
+        <p:style>
+          <a:lnRef idx="2">
+            <a:schemeClr val="accent1">
+              <a:shade val="50000"/>
+            </a:schemeClr>
+          </a:lnRef>
+          <a:fillRef idx="1">
+            <a:schemeClr val="accent1"/>
+          </a:fillRef>
+          <a:effectRef idx="0">
+            <a:schemeClr val="accent1"/>
+          </a:effectRef>
+          <a:fontRef idx="minor">
+            <a:schemeClr val="lt1"/>
+          </a:fontRef>
+        </p:style>
+        <p:txBody>
+          <a:bodyPr wrap="square" rtlCol="0" anchor="ctr">
+            <a:noAutofit/>
+          </a:bodyPr>
+          <a:lstStyle/>
+          <a:p>
+            <a:pPr algn="ctr"/>
+            <a:endParaRPr lang="en-US"/>
+          </a:p>
+        </p:txBody>
+      </p:sp>
       <p:sp>
         <p:nvSpPr>
           <p:cNvPr id="2" name="Title 1">
@@ -3715,13 +4046,20 @@
             <p:ph type="title"/>
           </p:nvPr>
         </p:nvSpPr>
-        <p:spPr/>
-        <p:txBody>
-          <a:bodyPr/>
-          <a:lstStyle/>
-          <a:p>
-            <a:r>
-              <a:rPr lang="en-GB" dirty="0"/>
+        <p:spPr>
+          <a:xfrm>
+            <a:off x="804672" y="365125"/>
+            <a:ext cx="5266155" cy="1325563"/>
+          </a:xfrm>
+        </p:spPr>
+        <p:txBody>
+          <a:bodyPr>
+            <a:normAutofit/>
+          </a:bodyPr>
+          <a:lstStyle/>
+          <a:p>
+            <a:r>
+              <a:rPr lang="en-GB"/>
               <a:t>Approach</a:t>
             </a:r>
           </a:p>
@@ -3743,14 +4081,27 @@
             <p:ph idx="1"/>
           </p:nvPr>
         </p:nvSpPr>
-        <p:spPr/>
-        <p:txBody>
-          <a:bodyPr/>
-          <a:lstStyle/>
-          <a:p>
-            <a:r>
-              <a:rPr lang="en-GB" dirty="0"/>
-              <a:t>To model this in terms of a problem computer could understand, we used data structures like adjacency matrices, lists and arrays. The programming language of choice was python since it opened possibilities to visualising all the </a:t>
+        <p:spPr>
+          <a:xfrm>
+            <a:off x="804672" y="2022601"/>
+            <a:ext cx="3941499" cy="4154361"/>
+          </a:xfrm>
+        </p:spPr>
+        <p:txBody>
+          <a:bodyPr>
+            <a:normAutofit/>
+          </a:bodyPr>
+          <a:lstStyle/>
+          <a:p>
+            <a:r>
+              <a:rPr lang="en-GB" sz="1900"/>
+              <a:t>To model this in terms of a problem computer could understand, we used data structures like adjacency matrices, lists and arrays. The programming language of choice was python since it opened possibilities to visualising all the possible graphs and their variations.</a:t>
+            </a:r>
+          </a:p>
+          <a:p>
+            <a:r>
+              <a:rPr lang="en-GB" sz="1900"/>
+              <a:t>Initially, the graphs were hand drawn and the calculation were done manually but once the logic was straightened out, using code everything was automated.</a:t>
             </a:r>
           </a:p>
         </p:txBody>
@@ -3795,10 +4146,10 @@
       </p:grpSpPr>
       <p:sp useBgFill="1">
         <p:nvSpPr>
-          <p:cNvPr id="16" name="Rectangle 15">
+          <p:cNvPr id="39" name="Rectangle 38">
             <a:extLst>
               <a:ext uri="{FF2B5EF4-FFF2-40B4-BE49-F238E27FC236}">
-                <a16:creationId xmlns:a16="http://schemas.microsoft.com/office/drawing/2014/main" id="{0550F5B9-399F-4FAD-AE6C-ED65F9A43A74}"/>
+                <a16:creationId xmlns:a16="http://schemas.microsoft.com/office/drawing/2014/main" id="{18F923FF-DD0C-4FD3-A1B4-68DFA511C82D}"/>
               </a:ext>
               <a:ext uri="{C183D7F6-B498-43B3-948B-1728B52AA6E4}">
                 <adec:decorative xmlns:adec="http://schemas.microsoft.com/office/drawing/2017/decorative" val="1"/>
@@ -3853,12 +4204,85 @@
           </a:p>
         </p:txBody>
       </p:sp>
-      <p:sp useBgFill="1">
-        <p:nvSpPr>
-          <p:cNvPr id="18" name="Rectangle 17">
+      <p:sp>
+        <p:nvSpPr>
+          <p:cNvPr id="2" name="Title 1">
             <a:extLst>
               <a:ext uri="{FF2B5EF4-FFF2-40B4-BE49-F238E27FC236}">
-                <a16:creationId xmlns:a16="http://schemas.microsoft.com/office/drawing/2014/main" id="{C062E60F-5CD4-4268-8359-8076634680E5}"/>
+                <a16:creationId xmlns:a16="http://schemas.microsoft.com/office/drawing/2014/main" id="{884EE962-7868-0989-EFDE-92BACCC3E12B}"/>
+              </a:ext>
+            </a:extLst>
+          </p:cNvPr>
+          <p:cNvSpPr>
+            <a:spLocks noGrp="1"/>
+          </p:cNvSpPr>
+          <p:nvPr>
+            <p:ph type="title"/>
+          </p:nvPr>
+        </p:nvSpPr>
+        <p:spPr>
+          <a:xfrm>
+            <a:off x="359172" y="1144768"/>
+            <a:ext cx="3724217" cy="2952581"/>
+          </a:xfrm>
+        </p:spPr>
+        <p:txBody>
+          <a:bodyPr vert="horz" lIns="91440" tIns="45720" rIns="91440" bIns="45720" rtlCol="0" anchor="b">
+            <a:normAutofit/>
+          </a:bodyPr>
+          <a:lstStyle/>
+          <a:p>
+            <a:r>
+              <a:rPr lang="en-US" sz="4000" dirty="0"/>
+              <a:t>Important functions</a:t>
+            </a:r>
+          </a:p>
+        </p:txBody>
+      </p:sp>
+      <p:sp>
+        <p:nvSpPr>
+          <p:cNvPr id="3" name="Content Placeholder 2">
+            <a:extLst>
+              <a:ext uri="{FF2B5EF4-FFF2-40B4-BE49-F238E27FC236}">
+                <a16:creationId xmlns:a16="http://schemas.microsoft.com/office/drawing/2014/main" id="{19A047A8-AEFC-C127-E340-1383A96D263D}"/>
+              </a:ext>
+            </a:extLst>
+          </p:cNvPr>
+          <p:cNvSpPr>
+            <a:spLocks noGrp="1"/>
+          </p:cNvSpPr>
+          <p:nvPr>
+            <p:ph idx="1"/>
+          </p:nvPr>
+        </p:nvSpPr>
+        <p:spPr>
+          <a:xfrm>
+            <a:off x="409357" y="4459018"/>
+            <a:ext cx="3724218" cy="1334930"/>
+          </a:xfrm>
+        </p:spPr>
+        <p:txBody>
+          <a:bodyPr vert="horz" lIns="91440" tIns="45720" rIns="91440" bIns="45720" rtlCol="0">
+            <a:normAutofit/>
+          </a:bodyPr>
+          <a:lstStyle/>
+          <a:p>
+            <a:pPr marL="0" indent="0">
+              <a:buNone/>
+            </a:pPr>
+            <a:r>
+              <a:rPr lang="en-US" sz="2100" dirty="0"/>
+              <a:t>Here are some vital functions that convert the approach discussed earlier into a working model.</a:t>
+            </a:r>
+          </a:p>
+        </p:txBody>
+      </p:sp>
+      <p:sp>
+        <p:nvSpPr>
+          <p:cNvPr id="41" name="Rectangle 40">
+            <a:extLst>
+              <a:ext uri="{FF2B5EF4-FFF2-40B4-BE49-F238E27FC236}">
+                <a16:creationId xmlns:a16="http://schemas.microsoft.com/office/drawing/2014/main" id="{114A821F-8663-46BA-8CC0-D4C44F639F3A}"/>
               </a:ext>
               <a:ext uri="{C183D7F6-B498-43B3-948B-1728B52AA6E4}">
                 <adec:decorative xmlns:adec="http://schemas.microsoft.com/office/drawing/2017/decorative" val="1"/>
@@ -3877,26 +4301,19 @@
           </p:nvPr>
         </p:nvSpPr>
         <p:spPr>
-          <a:xfrm>
-            <a:off x="554416" y="288350"/>
-            <a:ext cx="11167447" cy="2089317"/>
+          <a:xfrm rot="5400000">
+            <a:off x="688249" y="346791"/>
+            <a:ext cx="146304" cy="704088"/>
           </a:xfrm>
           <a:prstGeom prst="rect">
             <a:avLst/>
           </a:prstGeom>
-          <a:ln w="12700">
-            <a:solidFill>
-              <a:srgbClr val="DEDEDE"/>
-            </a:solidFill>
+          <a:solidFill>
+            <a:schemeClr val="accent2"/>
+          </a:solidFill>
+          <a:ln>
+            <a:noFill/>
           </a:ln>
-          <a:effectLst>
-            <a:outerShdw blurRad="50800" dist="38100" dir="2700000" algn="tl" rotWithShape="0">
-              <a:schemeClr val="bg2">
-                <a:lumMod val="85000"/>
-                <a:alpha val="50000"/>
-              </a:schemeClr>
-            </a:outerShdw>
-          </a:effectLst>
         </p:spPr>
         <p:style>
           <a:lnRef idx="2">
@@ -3952,6 +4369,416 @@
           </a:p>
         </p:txBody>
       </p:sp>
+      <p:pic>
+        <p:nvPicPr>
+          <p:cNvPr id="15" name="Picture 14">
+            <a:extLst>
+              <a:ext uri="{FF2B5EF4-FFF2-40B4-BE49-F238E27FC236}">
+                <a16:creationId xmlns:a16="http://schemas.microsoft.com/office/drawing/2014/main" id="{A16D6ED1-3D4B-E581-AFBF-D8F000EFEAE7}"/>
+              </a:ext>
+            </a:extLst>
+          </p:cNvPr>
+          <p:cNvPicPr>
+            <a:picLocks noChangeAspect="1"/>
+          </p:cNvPicPr>
+          <p:nvPr/>
+        </p:nvPicPr>
+        <p:blipFill>
+          <a:blip r:embed="rId2"/>
+          <a:stretch>
+            <a:fillRect/>
+          </a:stretch>
+        </p:blipFill>
+        <p:spPr>
+          <a:xfrm>
+            <a:off x="8108613" y="5420120"/>
+            <a:ext cx="2110399" cy="1117270"/>
+          </a:xfrm>
+          <a:prstGeom prst="rect">
+            <a:avLst/>
+          </a:prstGeom>
+        </p:spPr>
+      </p:pic>
+      <p:pic>
+        <p:nvPicPr>
+          <p:cNvPr id="21" name="Picture 20">
+            <a:extLst>
+              <a:ext uri="{FF2B5EF4-FFF2-40B4-BE49-F238E27FC236}">
+                <a16:creationId xmlns:a16="http://schemas.microsoft.com/office/drawing/2014/main" id="{5CDF8E45-9AC5-F254-CDB3-7EC3208625E8}"/>
+              </a:ext>
+            </a:extLst>
+          </p:cNvPr>
+          <p:cNvPicPr>
+            <a:picLocks noChangeAspect="1"/>
+          </p:cNvPicPr>
+          <p:nvPr/>
+        </p:nvPicPr>
+        <p:blipFill>
+          <a:blip r:embed="rId3"/>
+          <a:stretch>
+            <a:fillRect/>
+          </a:stretch>
+        </p:blipFill>
+        <p:spPr>
+          <a:xfrm>
+            <a:off x="4634445" y="698155"/>
+            <a:ext cx="6017268" cy="2587424"/>
+          </a:xfrm>
+          <a:prstGeom prst="rect">
+            <a:avLst/>
+          </a:prstGeom>
+        </p:spPr>
+      </p:pic>
+      <p:sp>
+        <p:nvSpPr>
+          <p:cNvPr id="43" name="Rectangle 42">
+            <a:extLst>
+              <a:ext uri="{FF2B5EF4-FFF2-40B4-BE49-F238E27FC236}">
+                <a16:creationId xmlns:a16="http://schemas.microsoft.com/office/drawing/2014/main" id="{67EF550F-47CE-4FB2-9DAC-12AD835C833D}"/>
+              </a:ext>
+              <a:ext uri="{C183D7F6-B498-43B3-948B-1728B52AA6E4}">
+                <adec:decorative xmlns:adec="http://schemas.microsoft.com/office/drawing/2017/decorative" val="1"/>
+              </a:ext>
+            </a:extLst>
+          </p:cNvPr>
+          <p:cNvSpPr>
+            <a:spLocks noGrp="1" noRot="1" noChangeAspect="1" noMove="1" noResize="1" noEditPoints="1" noAdjustHandles="1" noChangeArrowheads="1" noChangeShapeType="1" noTextEdit="1"/>
+          </p:cNvSpPr>
+          <p:nvPr>
+            <p:extLst>
+              <p:ext uri="{386F3935-93C4-4BCD-93E2-E3B085C9AB24}">
+                <p16:designElem xmlns:p16="http://schemas.microsoft.com/office/powerpoint/2015/main" val="1"/>
+              </p:ext>
+            </p:extLst>
+          </p:nvPr>
+        </p:nvSpPr>
+        <p:spPr>
+          <a:xfrm>
+            <a:off x="359171" y="4177748"/>
+            <a:ext cx="3706859" cy="18288"/>
+          </a:xfrm>
+          <a:prstGeom prst="rect">
+            <a:avLst/>
+          </a:prstGeom>
+          <a:solidFill>
+            <a:srgbClr val="D5D5D5"/>
+          </a:solidFill>
+          <a:ln w="3175">
+            <a:noFill/>
+          </a:ln>
+          <a:effectLst/>
+        </p:spPr>
+        <p:style>
+          <a:lnRef idx="2">
+            <a:schemeClr val="accent1">
+              <a:shade val="50000"/>
+            </a:schemeClr>
+          </a:lnRef>
+          <a:fillRef idx="1">
+            <a:schemeClr val="accent1"/>
+          </a:fillRef>
+          <a:effectRef idx="0">
+            <a:schemeClr val="accent1"/>
+          </a:effectRef>
+          <a:fontRef idx="minor">
+            <a:schemeClr val="lt1"/>
+          </a:fontRef>
+        </p:style>
+        <p:txBody>
+          <a:bodyPr rtlCol="0" anchor="ctr"/>
+          <a:lstStyle/>
+          <a:p>
+            <a:pPr marL="0" marR="0" lvl="0" indent="0" algn="ctr" defTabSz="914400" rtl="0" eaLnBrk="1" fontAlgn="auto" latinLnBrk="0" hangingPunct="1">
+              <a:lnSpc>
+                <a:spcPct val="100000"/>
+              </a:lnSpc>
+              <a:spcBef>
+                <a:spcPts val="0"/>
+              </a:spcBef>
+              <a:spcAft>
+                <a:spcPts val="0"/>
+              </a:spcAft>
+              <a:buClrTx/>
+              <a:buSzTx/>
+              <a:buFontTx/>
+              <a:buNone/>
+              <a:tabLst/>
+              <a:defRPr/>
+            </a:pPr>
+            <a:endParaRPr kumimoji="0" lang="en-US" sz="1800" b="0" i="0" u="none" strike="noStrike" kern="1200" cap="none" spc="0" normalizeH="0" baseline="0" noProof="0">
+              <a:ln>
+                <a:noFill/>
+              </a:ln>
+              <a:solidFill>
+                <a:prstClr val="white"/>
+              </a:solidFill>
+              <a:effectLst/>
+              <a:uLnTx/>
+              <a:uFillTx/>
+              <a:latin typeface="Calibri" panose="020F0502020204030204"/>
+              <a:ea typeface="+mn-ea"/>
+              <a:cs typeface="+mn-cs"/>
+            </a:endParaRPr>
+          </a:p>
+        </p:txBody>
+      </p:sp>
+      <p:pic>
+        <p:nvPicPr>
+          <p:cNvPr id="24" name="Picture 23">
+            <a:extLst>
+              <a:ext uri="{FF2B5EF4-FFF2-40B4-BE49-F238E27FC236}">
+                <a16:creationId xmlns:a16="http://schemas.microsoft.com/office/drawing/2014/main" id="{624D888E-AEEF-01FD-CE93-4078C8EBF4E9}"/>
+              </a:ext>
+            </a:extLst>
+          </p:cNvPr>
+          <p:cNvPicPr>
+            <a:picLocks noChangeAspect="1"/>
+          </p:cNvPicPr>
+          <p:nvPr/>
+        </p:nvPicPr>
+        <p:blipFill>
+          <a:blip r:embed="rId4"/>
+          <a:stretch>
+            <a:fillRect/>
+          </a:stretch>
+        </p:blipFill>
+        <p:spPr>
+          <a:xfrm>
+            <a:off x="4634445" y="3518679"/>
+            <a:ext cx="5055583" cy="1668341"/>
+          </a:xfrm>
+          <a:prstGeom prst="rect">
+            <a:avLst/>
+          </a:prstGeom>
+        </p:spPr>
+      </p:pic>
+      <p:pic>
+        <p:nvPicPr>
+          <p:cNvPr id="19" name="Picture 18">
+            <a:extLst>
+              <a:ext uri="{FF2B5EF4-FFF2-40B4-BE49-F238E27FC236}">
+                <a16:creationId xmlns:a16="http://schemas.microsoft.com/office/drawing/2014/main" id="{F4EF025E-51B7-89D0-B6A2-492153BAD752}"/>
+              </a:ext>
+            </a:extLst>
+          </p:cNvPr>
+          <p:cNvPicPr>
+            <a:picLocks noChangeAspect="1"/>
+          </p:cNvPicPr>
+          <p:nvPr/>
+        </p:nvPicPr>
+        <p:blipFill>
+          <a:blip r:embed="rId5"/>
+          <a:stretch>
+            <a:fillRect/>
+          </a:stretch>
+        </p:blipFill>
+        <p:spPr>
+          <a:xfrm>
+            <a:off x="4634445" y="5450972"/>
+            <a:ext cx="2940943" cy="1117270"/>
+          </a:xfrm>
+          <a:prstGeom prst="rect">
+            <a:avLst/>
+          </a:prstGeom>
+        </p:spPr>
+      </p:pic>
+    </p:spTree>
+    <p:extLst>
+      <p:ext uri="{BB962C8B-B14F-4D97-AF65-F5344CB8AC3E}">
+        <p14:creationId xmlns:p14="http://schemas.microsoft.com/office/powerpoint/2010/main" val="2087460964"/>
+      </p:ext>
+    </p:extLst>
+  </p:cSld>
+  <p:clrMapOvr>
+    <a:masterClrMapping/>
+  </p:clrMapOvr>
+</p:sld>
+</file>
+
+<file path=ppt/slides/slide5.xml><?xml version="1.0" encoding="utf-8"?>
+<p:sld xmlns:a="http://schemas.openxmlformats.org/drawingml/2006/main" xmlns:r="http://schemas.openxmlformats.org/officeDocument/2006/relationships" xmlns:p="http://schemas.openxmlformats.org/presentationml/2006/main">
+  <p:cSld>
+    <p:bg>
+      <p:bgPr>
+        <a:solidFill>
+          <a:schemeClr val="bg1"/>
+        </a:solidFill>
+        <a:effectLst/>
+      </p:bgPr>
+    </p:bg>
+    <p:spTree>
+      <p:nvGrpSpPr>
+        <p:cNvPr id="1" name=""/>
+        <p:cNvGrpSpPr/>
+        <p:nvPr/>
+      </p:nvGrpSpPr>
+      <p:grpSpPr>
+        <a:xfrm>
+          <a:off x="0" y="0"/>
+          <a:ext cx="0" cy="0"/>
+          <a:chOff x="0" y="0"/>
+          <a:chExt cx="0" cy="0"/>
+        </a:xfrm>
+      </p:grpSpPr>
+      <p:sp useBgFill="1">
+        <p:nvSpPr>
+          <p:cNvPr id="16" name="Rectangle 15">
+            <a:extLst>
+              <a:ext uri="{FF2B5EF4-FFF2-40B4-BE49-F238E27FC236}">
+                <a16:creationId xmlns:a16="http://schemas.microsoft.com/office/drawing/2014/main" id="{0550F5B9-399F-4FAD-AE6C-ED65F9A43A74}"/>
+              </a:ext>
+              <a:ext uri="{C183D7F6-B498-43B3-948B-1728B52AA6E4}">
+                <adec:decorative xmlns:adec="http://schemas.microsoft.com/office/drawing/2017/decorative" val="1"/>
+              </a:ext>
+            </a:extLst>
+          </p:cNvPr>
+          <p:cNvSpPr>
+            <a:spLocks noGrp="1" noRot="1" noChangeAspect="1" noMove="1" noResize="1" noEditPoints="1" noAdjustHandles="1" noChangeArrowheads="1" noChangeShapeType="1" noTextEdit="1"/>
+          </p:cNvSpPr>
+          <p:nvPr>
+            <p:extLst>
+              <p:ext uri="{386F3935-93C4-4BCD-93E2-E3B085C9AB24}">
+                <p16:designElem xmlns:p16="http://schemas.microsoft.com/office/powerpoint/2015/main" val="1"/>
+              </p:ext>
+            </p:extLst>
+          </p:nvPr>
+        </p:nvSpPr>
+        <p:spPr>
+          <a:xfrm>
+            <a:off x="0" y="0"/>
+            <a:ext cx="12192000" cy="6858000"/>
+          </a:xfrm>
+          <a:prstGeom prst="rect">
+            <a:avLst/>
+          </a:prstGeom>
+          <a:ln>
+            <a:noFill/>
+          </a:ln>
+        </p:spPr>
+        <p:style>
+          <a:lnRef idx="2">
+            <a:schemeClr val="accent1">
+              <a:shade val="50000"/>
+            </a:schemeClr>
+          </a:lnRef>
+          <a:fillRef idx="1">
+            <a:schemeClr val="accent1"/>
+          </a:fillRef>
+          <a:effectRef idx="0">
+            <a:schemeClr val="accent1"/>
+          </a:effectRef>
+          <a:fontRef idx="minor">
+            <a:schemeClr val="lt1"/>
+          </a:fontRef>
+        </p:style>
+        <p:txBody>
+          <a:bodyPr rtlCol="0" anchor="ctr"/>
+          <a:lstStyle/>
+          <a:p>
+            <a:pPr algn="ctr"/>
+            <a:endParaRPr lang="en-US"/>
+          </a:p>
+        </p:txBody>
+      </p:sp>
+      <p:sp useBgFill="1">
+        <p:nvSpPr>
+          <p:cNvPr id="18" name="Rectangle 17">
+            <a:extLst>
+              <a:ext uri="{FF2B5EF4-FFF2-40B4-BE49-F238E27FC236}">
+                <a16:creationId xmlns:a16="http://schemas.microsoft.com/office/drawing/2014/main" id="{C062E60F-5CD4-4268-8359-8076634680E5}"/>
+              </a:ext>
+              <a:ext uri="{C183D7F6-B498-43B3-948B-1728B52AA6E4}">
+                <adec:decorative xmlns:adec="http://schemas.microsoft.com/office/drawing/2017/decorative" val="1"/>
+              </a:ext>
+            </a:extLst>
+          </p:cNvPr>
+          <p:cNvSpPr>
+            <a:spLocks noGrp="1" noRot="1" noChangeAspect="1" noMove="1" noResize="1" noEditPoints="1" noAdjustHandles="1" noChangeArrowheads="1" noChangeShapeType="1" noTextEdit="1"/>
+          </p:cNvSpPr>
+          <p:nvPr>
+            <p:extLst>
+              <p:ext uri="{386F3935-93C4-4BCD-93E2-E3B085C9AB24}">
+                <p16:designElem xmlns:p16="http://schemas.microsoft.com/office/powerpoint/2015/main" val="1"/>
+              </p:ext>
+            </p:extLst>
+          </p:nvPr>
+        </p:nvSpPr>
+        <p:spPr>
+          <a:xfrm>
+            <a:off x="554416" y="288350"/>
+            <a:ext cx="11167447" cy="2089317"/>
+          </a:xfrm>
+          <a:prstGeom prst="rect">
+            <a:avLst/>
+          </a:prstGeom>
+          <a:ln w="12700">
+            <a:solidFill>
+              <a:srgbClr val="DEDEDE"/>
+            </a:solidFill>
+          </a:ln>
+          <a:effectLst>
+            <a:outerShdw blurRad="50800" dist="38100" dir="2700000" algn="tl" rotWithShape="0">
+              <a:schemeClr val="bg2">
+                <a:lumMod val="85000"/>
+                <a:alpha val="50000"/>
+              </a:schemeClr>
+            </a:outerShdw>
+          </a:effectLst>
+        </p:spPr>
+        <p:style>
+          <a:lnRef idx="2">
+            <a:schemeClr val="accent1">
+              <a:shade val="50000"/>
+            </a:schemeClr>
+          </a:lnRef>
+          <a:fillRef idx="1">
+            <a:schemeClr val="accent1"/>
+          </a:fillRef>
+          <a:effectRef idx="0">
+            <a:schemeClr val="accent1"/>
+          </a:effectRef>
+          <a:fontRef idx="minor">
+            <a:schemeClr val="lt1"/>
+          </a:fontRef>
+        </p:style>
+        <p:txBody>
+          <a:bodyPr rtlCol="0" anchor="ctr"/>
+          <a:lstStyle/>
+          <a:p>
+            <a:pPr marL="0" marR="0" lvl="0" indent="0" algn="ctr" defTabSz="914400" rtl="0" eaLnBrk="1" fontAlgn="auto" latinLnBrk="0" hangingPunct="1">
+              <a:lnSpc>
+                <a:spcPct val="100000"/>
+              </a:lnSpc>
+              <a:spcBef>
+                <a:spcPts val="0"/>
+              </a:spcBef>
+              <a:spcAft>
+                <a:spcPts val="0"/>
+              </a:spcAft>
+              <a:buClrTx/>
+              <a:buSzTx/>
+              <a:buFontTx/>
+              <a:buNone/>
+              <a:tabLst/>
+              <a:defRPr/>
+            </a:pPr>
+            <a:endParaRPr kumimoji="0" lang="en-US" sz="1800" b="0" i="0" u="none" strike="noStrike" kern="1200" cap="none" spc="0" normalizeH="0" baseline="0" noProof="0">
+              <a:ln>
+                <a:noFill/>
+              </a:ln>
+              <a:solidFill>
+                <a:prstClr val="white"/>
+              </a:solidFill>
+              <a:effectLst/>
+              <a:uLnTx/>
+              <a:uFillTx/>
+              <a:latin typeface="Calibri" panose="020F0502020204030204"/>
+              <a:ea typeface="+mn-ea"/>
+              <a:cs typeface="+mn-cs"/>
+            </a:endParaRPr>
+          </a:p>
+        </p:txBody>
+      </p:sp>
       <p:sp>
         <p:nvSpPr>
           <p:cNvPr id="2" name="Title 1">
@@ -3970,7 +4797,7 @@
         </p:nvSpPr>
         <p:spPr>
           <a:xfrm>
-            <a:off x="841248" y="510047"/>
+            <a:off x="811319" y="510046"/>
             <a:ext cx="3300984" cy="1645920"/>
           </a:xfrm>
         </p:spPr>
@@ -3981,8 +4808,8 @@
           <a:lstStyle/>
           <a:p>
             <a:r>
-              <a:rPr lang="en-GB" sz="2800"/>
-              <a:t>Example </a:t>
+              <a:rPr lang="en-GB" sz="2800" dirty="0"/>
+              <a:t>Example</a:t>
             </a:r>
           </a:p>
         </p:txBody>
@@ -4190,17 +5017,32 @@
         </p:nvSpPr>
         <p:spPr>
           <a:xfrm>
-            <a:off x="4581144" y="510047"/>
-            <a:ext cx="6858000" cy="1645920"/>
+            <a:off x="4581144" y="510046"/>
+            <a:ext cx="6858000" cy="1809083"/>
           </a:xfrm>
         </p:spPr>
         <p:txBody>
           <a:bodyPr anchor="ctr">
-            <a:normAutofit/>
+            <a:normAutofit fontScale="92500" lnSpcReduction="10000"/>
           </a:bodyPr>
           <a:lstStyle/>
           <a:p>
-            <a:endParaRPr lang="en-US" sz="1800" dirty="0"/>
+            <a:pPr marL="0" indent="0">
+              <a:buNone/>
+            </a:pPr>
+            <a:r>
+              <a:rPr lang="en-US" sz="1600" dirty="0"/>
+              <a:t>If we have a look at the figures below, we can see how modelling the graphs as explained in the slide below works out perfectly and ultimately results in graphs with alternating color schemes. We assign numbers 1 and -1 to the colors blue and red respectively to form color vectors. </a:t>
+            </a:r>
+          </a:p>
+          <a:p>
+            <a:pPr marL="0" indent="0">
+              <a:buNone/>
+            </a:pPr>
+            <a:r>
+              <a:rPr lang="en-US" sz="1600" dirty="0"/>
+              <a:t>The graph in figure 1 has the color vector [1,1,-1,1,-1] which when evaluated by multiplying with the adjacency matrix of the graph results in the graph shown in figure 2 with the color vector [-1,-1,1,1,1] which on further evaluation with the adjacency matrix results in the graph shown in Figure 3 with the color vector [1,1,-1,-1,-1]</a:t>
+            </a:r>
           </a:p>
         </p:txBody>
       </p:sp>
@@ -4226,8 +5068,8 @@
         </p:blipFill>
         <p:spPr>
           <a:xfrm>
-            <a:off x="557784" y="3090912"/>
-            <a:ext cx="3584448" cy="2670412"/>
+            <a:off x="8269799" y="2937761"/>
+            <a:ext cx="3452063" cy="2670412"/>
           </a:xfrm>
           <a:prstGeom prst="rect">
             <a:avLst/>
@@ -4256,8 +5098,8 @@
         </p:blipFill>
         <p:spPr>
           <a:xfrm>
-            <a:off x="4347599" y="3095392"/>
-            <a:ext cx="3584448" cy="2661452"/>
+            <a:off x="4395766" y="2937761"/>
+            <a:ext cx="3536279" cy="2661452"/>
           </a:xfrm>
           <a:prstGeom prst="rect">
             <a:avLst/>
@@ -4286,101 +5128,161 @@
         </p:blipFill>
         <p:spPr>
           <a:xfrm>
-            <a:off x="8137415" y="3095392"/>
-            <a:ext cx="3584448" cy="2661452"/>
+            <a:off x="554415" y="2937761"/>
+            <a:ext cx="3453857" cy="2661452"/>
           </a:xfrm>
           <a:prstGeom prst="rect">
             <a:avLst/>
           </a:prstGeom>
         </p:spPr>
       </p:pic>
+      <p:sp>
+        <p:nvSpPr>
+          <p:cNvPr id="3" name="TextBox 2">
+            <a:extLst>
+              <a:ext uri="{FF2B5EF4-FFF2-40B4-BE49-F238E27FC236}">
+                <a16:creationId xmlns:a16="http://schemas.microsoft.com/office/drawing/2014/main" id="{DC3F8C37-8233-4A44-A39A-733AF8D77341}"/>
+              </a:ext>
+            </a:extLst>
+          </p:cNvPr>
+          <p:cNvSpPr txBox="1"/>
+          <p:nvPr/>
+        </p:nvSpPr>
+        <p:spPr>
+          <a:xfrm>
+            <a:off x="811319" y="5599213"/>
+            <a:ext cx="2809461" cy="369332"/>
+          </a:xfrm>
+          <a:prstGeom prst="rect">
+            <a:avLst/>
+          </a:prstGeom>
+          <a:noFill/>
+        </p:spPr>
+        <p:txBody>
+          <a:bodyPr wrap="square" rtlCol="0">
+            <a:spAutoFit/>
+          </a:bodyPr>
+          <a:lstStyle/>
+          <a:p>
+            <a:pPr algn="ctr"/>
+            <a:r>
+              <a:rPr lang="en-GB" dirty="0"/>
+              <a:t>Figure 1</a:t>
+            </a:r>
+          </a:p>
+        </p:txBody>
+      </p:sp>
+      <p:sp>
+        <p:nvSpPr>
+          <p:cNvPr id="12" name="TextBox 11">
+            <a:extLst>
+              <a:ext uri="{FF2B5EF4-FFF2-40B4-BE49-F238E27FC236}">
+                <a16:creationId xmlns:a16="http://schemas.microsoft.com/office/drawing/2014/main" id="{6B967960-38EF-4E6D-94BD-72DA05E8C232}"/>
+              </a:ext>
+            </a:extLst>
+          </p:cNvPr>
+          <p:cNvSpPr txBox="1"/>
+          <p:nvPr/>
+        </p:nvSpPr>
+        <p:spPr>
+          <a:xfrm>
+            <a:off x="4734306" y="5599104"/>
+            <a:ext cx="2809461" cy="369332"/>
+          </a:xfrm>
+          <a:prstGeom prst="rect">
+            <a:avLst/>
+          </a:prstGeom>
+          <a:noFill/>
+        </p:spPr>
+        <p:txBody>
+          <a:bodyPr wrap="square" rtlCol="0">
+            <a:spAutoFit/>
+          </a:bodyPr>
+          <a:lstStyle/>
+          <a:p>
+            <a:pPr algn="ctr"/>
+            <a:r>
+              <a:rPr lang="en-GB" dirty="0"/>
+              <a:t>Figure 2	</a:t>
+            </a:r>
+          </a:p>
+        </p:txBody>
+      </p:sp>
+      <p:sp>
+        <p:nvSpPr>
+          <p:cNvPr id="14" name="TextBox 13">
+            <a:extLst>
+              <a:ext uri="{FF2B5EF4-FFF2-40B4-BE49-F238E27FC236}">
+                <a16:creationId xmlns:a16="http://schemas.microsoft.com/office/drawing/2014/main" id="{84630B58-401E-42FF-83A8-D76593539CB8}"/>
+              </a:ext>
+            </a:extLst>
+          </p:cNvPr>
+          <p:cNvSpPr txBox="1"/>
+          <p:nvPr/>
+        </p:nvSpPr>
+        <p:spPr>
+          <a:xfrm>
+            <a:off x="8657293" y="5599104"/>
+            <a:ext cx="2809461" cy="369332"/>
+          </a:xfrm>
+          <a:prstGeom prst="rect">
+            <a:avLst/>
+          </a:prstGeom>
+          <a:noFill/>
+        </p:spPr>
+        <p:txBody>
+          <a:bodyPr wrap="square" rtlCol="0">
+            <a:spAutoFit/>
+          </a:bodyPr>
+          <a:lstStyle/>
+          <a:p>
+            <a:pPr algn="ctr"/>
+            <a:r>
+              <a:rPr lang="en-GB" dirty="0"/>
+              <a:t>Figure 3</a:t>
+            </a:r>
+          </a:p>
+        </p:txBody>
+      </p:sp>
+      <p:sp>
+        <p:nvSpPr>
+          <p:cNvPr id="4" name="TextBox 3">
+            <a:extLst>
+              <a:ext uri="{FF2B5EF4-FFF2-40B4-BE49-F238E27FC236}">
+                <a16:creationId xmlns:a16="http://schemas.microsoft.com/office/drawing/2014/main" id="{1763B46C-E28B-45B5-9828-1D164902F584}"/>
+              </a:ext>
+            </a:extLst>
+          </p:cNvPr>
+          <p:cNvSpPr txBox="1"/>
+          <p:nvPr/>
+        </p:nvSpPr>
+        <p:spPr>
+          <a:xfrm>
+            <a:off x="423825" y="6198590"/>
+            <a:ext cx="11298037" cy="369332"/>
+          </a:xfrm>
+          <a:prstGeom prst="rect">
+            <a:avLst/>
+          </a:prstGeom>
+          <a:noFill/>
+        </p:spPr>
+        <p:txBody>
+          <a:bodyPr wrap="square" rtlCol="0">
+            <a:spAutoFit/>
+          </a:bodyPr>
+          <a:lstStyle/>
+          <a:p>
+            <a:r>
+              <a:rPr lang="en-GB" dirty="0"/>
+              <a:t>The graph ends up looping on the color vectors shown in Figure 2 and Figure 3.  </a:t>
+            </a:r>
+          </a:p>
+        </p:txBody>
+      </p:sp>
     </p:spTree>
     <p:extLst>
       <p:ext uri="{BB962C8B-B14F-4D97-AF65-F5344CB8AC3E}">
         <p14:creationId xmlns:p14="http://schemas.microsoft.com/office/powerpoint/2010/main" val="884679944"/>
-      </p:ext>
-    </p:extLst>
-  </p:cSld>
-  <p:clrMapOvr>
-    <a:masterClrMapping/>
-  </p:clrMapOvr>
-</p:sld>
-</file>
-
-<file path=ppt/slides/slide5.xml><?xml version="1.0" encoding="utf-8"?>
-<p:sld xmlns:a="http://schemas.openxmlformats.org/drawingml/2006/main" xmlns:r="http://schemas.openxmlformats.org/officeDocument/2006/relationships" xmlns:p="http://schemas.openxmlformats.org/presentationml/2006/main">
-  <p:cSld>
-    <p:spTree>
-      <p:nvGrpSpPr>
-        <p:cNvPr id="1" name=""/>
-        <p:cNvGrpSpPr/>
-        <p:nvPr/>
-      </p:nvGrpSpPr>
-      <p:grpSpPr>
-        <a:xfrm>
-          <a:off x="0" y="0"/>
-          <a:ext cx="0" cy="0"/>
-          <a:chOff x="0" y="0"/>
-          <a:chExt cx="0" cy="0"/>
-        </a:xfrm>
-      </p:grpSpPr>
-      <p:sp>
-        <p:nvSpPr>
-          <p:cNvPr id="2" name="Title 1">
-            <a:extLst>
-              <a:ext uri="{FF2B5EF4-FFF2-40B4-BE49-F238E27FC236}">
-                <a16:creationId xmlns:a16="http://schemas.microsoft.com/office/drawing/2014/main" id="{F51E57B5-29D6-4CF5-A04C-C6DAC339FA17}"/>
-              </a:ext>
-            </a:extLst>
-          </p:cNvPr>
-          <p:cNvSpPr>
-            <a:spLocks noGrp="1"/>
-          </p:cNvSpPr>
-          <p:nvPr>
-            <p:ph type="title"/>
-          </p:nvPr>
-        </p:nvSpPr>
-        <p:spPr/>
-        <p:txBody>
-          <a:bodyPr/>
-          <a:lstStyle/>
-          <a:p>
-            <a:r>
-              <a:rPr lang="en-GB" dirty="0"/>
-              <a:t>Results</a:t>
-            </a:r>
-          </a:p>
-        </p:txBody>
-      </p:sp>
-      <p:sp>
-        <p:nvSpPr>
-          <p:cNvPr id="3" name="Content Placeholder 2">
-            <a:extLst>
-              <a:ext uri="{FF2B5EF4-FFF2-40B4-BE49-F238E27FC236}">
-                <a16:creationId xmlns:a16="http://schemas.microsoft.com/office/drawing/2014/main" id="{3DADE25F-EF96-451D-9CBD-C972EE8D70A6}"/>
-              </a:ext>
-            </a:extLst>
-          </p:cNvPr>
-          <p:cNvSpPr>
-            <a:spLocks noGrp="1"/>
-          </p:cNvSpPr>
-          <p:nvPr>
-            <p:ph idx="1"/>
-          </p:nvPr>
-        </p:nvSpPr>
-        <p:spPr/>
-        <p:txBody>
-          <a:bodyPr/>
-          <a:lstStyle/>
-          <a:p>
-            <a:endParaRPr lang="en-GB" dirty="0"/>
-          </a:p>
-        </p:txBody>
-      </p:sp>
-    </p:spTree>
-    <p:extLst>
-      <p:ext uri="{BB962C8B-B14F-4D97-AF65-F5344CB8AC3E}">
-        <p14:creationId xmlns:p14="http://schemas.microsoft.com/office/powerpoint/2010/main" val="3746360438"/>
       </p:ext>
     </p:extLst>
   </p:cSld>
@@ -4430,7 +5332,7 @@
           <a:p>
             <a:r>
               <a:rPr lang="en-GB" dirty="0"/>
-              <a:t>Conclusion</a:t>
+              <a:t>Results</a:t>
             </a:r>
           </a:p>
         </p:txBody>
@@ -4460,6 +5362,402 @@
           </a:p>
         </p:txBody>
       </p:sp>
+    </p:spTree>
+    <p:extLst>
+      <p:ext uri="{BB962C8B-B14F-4D97-AF65-F5344CB8AC3E}">
+        <p14:creationId xmlns:p14="http://schemas.microsoft.com/office/powerpoint/2010/main" val="3746360438"/>
+      </p:ext>
+    </p:extLst>
+  </p:cSld>
+  <p:clrMapOvr>
+    <a:masterClrMapping/>
+  </p:clrMapOvr>
+</p:sld>
+</file>
+
+<file path=ppt/slides/slide7.xml><?xml version="1.0" encoding="utf-8"?>
+<p:sld xmlns:a="http://schemas.openxmlformats.org/drawingml/2006/main" xmlns:r="http://schemas.openxmlformats.org/officeDocument/2006/relationships" xmlns:p="http://schemas.openxmlformats.org/presentationml/2006/main">
+  <p:cSld>
+    <p:bg>
+      <p:bgPr>
+        <a:solidFill>
+          <a:schemeClr val="bg1"/>
+        </a:solidFill>
+        <a:effectLst/>
+      </p:bgPr>
+    </p:bg>
+    <p:spTree>
+      <p:nvGrpSpPr>
+        <p:cNvPr id="1" name=""/>
+        <p:cNvGrpSpPr/>
+        <p:nvPr/>
+      </p:nvGrpSpPr>
+      <p:grpSpPr>
+        <a:xfrm>
+          <a:off x="0" y="0"/>
+          <a:ext cx="0" cy="0"/>
+          <a:chOff x="0" y="0"/>
+          <a:chExt cx="0" cy="0"/>
+        </a:xfrm>
+      </p:grpSpPr>
+      <p:sp>
+        <p:nvSpPr>
+          <p:cNvPr id="28" name="Rectangle 19">
+            <a:extLst>
+              <a:ext uri="{FF2B5EF4-FFF2-40B4-BE49-F238E27FC236}">
+                <a16:creationId xmlns:a16="http://schemas.microsoft.com/office/drawing/2014/main" id="{C7FA33FF-088D-4F16-95A2-2C64D353DEA8}"/>
+              </a:ext>
+              <a:ext uri="{C183D7F6-B498-43B3-948B-1728B52AA6E4}">
+                <adec:decorative xmlns:adec="http://schemas.microsoft.com/office/drawing/2017/decorative" val="1"/>
+              </a:ext>
+            </a:extLst>
+          </p:cNvPr>
+          <p:cNvSpPr>
+            <a:spLocks noGrp="1" noRot="1" noChangeAspect="1" noMove="1" noResize="1" noEditPoints="1" noAdjustHandles="1" noChangeArrowheads="1" noChangeShapeType="1" noTextEdit="1"/>
+          </p:cNvSpPr>
+          <p:nvPr>
+            <p:extLst>
+              <p:ext uri="{386F3935-93C4-4BCD-93E2-E3B085C9AB24}">
+                <p16:designElem xmlns:p16="http://schemas.microsoft.com/office/powerpoint/2015/main" val="1"/>
+              </p:ext>
+            </p:extLst>
+          </p:nvPr>
+        </p:nvSpPr>
+        <p:spPr>
+          <a:xfrm>
+            <a:off x="1524" y="0"/>
+            <a:ext cx="12188952" cy="6858000"/>
+          </a:xfrm>
+          <a:prstGeom prst="rect">
+            <a:avLst/>
+          </a:prstGeom>
+          <a:solidFill>
+            <a:schemeClr val="tx1"/>
+          </a:solidFill>
+          <a:ln>
+            <a:noFill/>
+          </a:ln>
+        </p:spPr>
+        <p:style>
+          <a:lnRef idx="2">
+            <a:schemeClr val="accent1">
+              <a:shade val="50000"/>
+            </a:schemeClr>
+          </a:lnRef>
+          <a:fillRef idx="1">
+            <a:schemeClr val="accent1"/>
+          </a:fillRef>
+          <a:effectRef idx="0">
+            <a:schemeClr val="accent1"/>
+          </a:effectRef>
+          <a:fontRef idx="minor">
+            <a:schemeClr val="lt1"/>
+          </a:fontRef>
+        </p:style>
+        <p:txBody>
+          <a:bodyPr rtlCol="0" anchor="ctr"/>
+          <a:lstStyle/>
+          <a:p>
+            <a:pPr algn="ctr"/>
+            <a:endParaRPr lang="en-US"/>
+          </a:p>
+        </p:txBody>
+      </p:sp>
+      <p:sp>
+        <p:nvSpPr>
+          <p:cNvPr id="29" name="Rectangle 21">
+            <a:extLst>
+              <a:ext uri="{FF2B5EF4-FFF2-40B4-BE49-F238E27FC236}">
+                <a16:creationId xmlns:a16="http://schemas.microsoft.com/office/drawing/2014/main" id="{A376EFB1-01CF-419F-ABF1-2AF02BBFCBD1}"/>
+              </a:ext>
+              <a:ext uri="{C183D7F6-B498-43B3-948B-1728B52AA6E4}">
+                <adec:decorative xmlns:adec="http://schemas.microsoft.com/office/drawing/2017/decorative" val="1"/>
+              </a:ext>
+            </a:extLst>
+          </p:cNvPr>
+          <p:cNvSpPr>
+            <a:spLocks noGrp="1" noRot="1" noChangeAspect="1" noMove="1" noResize="1" noEditPoints="1" noAdjustHandles="1" noChangeArrowheads="1" noChangeShapeType="1" noTextEdit="1"/>
+          </p:cNvSpPr>
+          <p:nvPr>
+            <p:extLst>
+              <p:ext uri="{386F3935-93C4-4BCD-93E2-E3B085C9AB24}">
+                <p16:designElem xmlns:p16="http://schemas.microsoft.com/office/powerpoint/2015/main" val="1"/>
+              </p:ext>
+            </p:extLst>
+          </p:nvPr>
+        </p:nvSpPr>
+        <p:spPr>
+          <a:xfrm>
+            <a:off x="-1" y="0"/>
+            <a:ext cx="6464595" cy="6858000"/>
+          </a:xfrm>
+          <a:prstGeom prst="rect">
+            <a:avLst/>
+          </a:prstGeom>
+          <a:solidFill>
+            <a:schemeClr val="bg1">
+              <a:alpha val="81000"/>
+            </a:schemeClr>
+          </a:solidFill>
+          <a:ln>
+            <a:noFill/>
+          </a:ln>
+        </p:spPr>
+        <p:style>
+          <a:lnRef idx="2">
+            <a:schemeClr val="accent1">
+              <a:shade val="50000"/>
+            </a:schemeClr>
+          </a:lnRef>
+          <a:fillRef idx="1">
+            <a:schemeClr val="accent1"/>
+          </a:fillRef>
+          <a:effectRef idx="0">
+            <a:schemeClr val="accent1"/>
+          </a:effectRef>
+          <a:fontRef idx="minor">
+            <a:schemeClr val="lt1"/>
+          </a:fontRef>
+        </p:style>
+        <p:txBody>
+          <a:bodyPr rtlCol="0" anchor="ctr"/>
+          <a:lstStyle/>
+          <a:p>
+            <a:pPr algn="ctr"/>
+            <a:endParaRPr lang="en-US"/>
+          </a:p>
+        </p:txBody>
+      </p:sp>
+      <p:sp>
+        <p:nvSpPr>
+          <p:cNvPr id="30" name="Freeform: Shape 23">
+            <a:extLst>
+              <a:ext uri="{FF2B5EF4-FFF2-40B4-BE49-F238E27FC236}">
+                <a16:creationId xmlns:a16="http://schemas.microsoft.com/office/drawing/2014/main" id="{FF9DEA15-78BD-4750-AA18-B9F28A6D5AB8}"/>
+              </a:ext>
+              <a:ext uri="{C183D7F6-B498-43B3-948B-1728B52AA6E4}">
+                <adec:decorative xmlns:adec="http://schemas.microsoft.com/office/drawing/2017/decorative" val="1"/>
+              </a:ext>
+            </a:extLst>
+          </p:cNvPr>
+          <p:cNvSpPr>
+            <a:spLocks noGrp="1" noRot="1" noChangeAspect="1" noMove="1" noResize="1" noEditPoints="1" noAdjustHandles="1" noChangeArrowheads="1" noChangeShapeType="1" noTextEdit="1"/>
+          </p:cNvSpPr>
+          <p:nvPr>
+            <p:extLst>
+              <p:ext uri="{386F3935-93C4-4BCD-93E2-E3B085C9AB24}">
+                <p16:designElem xmlns:p16="http://schemas.microsoft.com/office/powerpoint/2015/main" val="1"/>
+              </p:ext>
+            </p:extLst>
+          </p:nvPr>
+        </p:nvSpPr>
+        <p:spPr>
+          <a:xfrm>
+            <a:off x="-1" y="0"/>
+            <a:ext cx="4546337" cy="6858000"/>
+          </a:xfrm>
+          <a:custGeom>
+            <a:avLst/>
+            <a:gdLst>
+              <a:gd name="connsiteX0" fmla="*/ 0 w 4319042"/>
+              <a:gd name="connsiteY0" fmla="*/ 0 h 6858000"/>
+              <a:gd name="connsiteX1" fmla="*/ 1142888 w 4319042"/>
+              <a:gd name="connsiteY1" fmla="*/ 0 h 6858000"/>
+              <a:gd name="connsiteX2" fmla="*/ 4319042 w 4319042"/>
+              <a:gd name="connsiteY2" fmla="*/ 6858000 h 6858000"/>
+              <a:gd name="connsiteX3" fmla="*/ 0 w 4319042"/>
+              <a:gd name="connsiteY3" fmla="*/ 6858000 h 6858000"/>
+            </a:gdLst>
+            <a:ahLst/>
+            <a:cxnLst>
+              <a:cxn ang="0">
+                <a:pos x="connsiteX0" y="connsiteY0"/>
+              </a:cxn>
+              <a:cxn ang="0">
+                <a:pos x="connsiteX1" y="connsiteY1"/>
+              </a:cxn>
+              <a:cxn ang="0">
+                <a:pos x="connsiteX2" y="connsiteY2"/>
+              </a:cxn>
+              <a:cxn ang="0">
+                <a:pos x="connsiteX3" y="connsiteY3"/>
+              </a:cxn>
+            </a:cxnLst>
+            <a:rect l="l" t="t" r="r" b="b"/>
+            <a:pathLst>
+              <a:path w="4319042" h="6858000">
+                <a:moveTo>
+                  <a:pt x="0" y="0"/>
+                </a:moveTo>
+                <a:lnTo>
+                  <a:pt x="1142888" y="0"/>
+                </a:lnTo>
+                <a:lnTo>
+                  <a:pt x="4319042" y="6858000"/>
+                </a:lnTo>
+                <a:lnTo>
+                  <a:pt x="0" y="6858000"/>
+                </a:lnTo>
+                <a:close/>
+              </a:path>
+            </a:pathLst>
+          </a:custGeom>
+          <a:solidFill>
+            <a:schemeClr val="bg1">
+              <a:alpha val="35000"/>
+            </a:schemeClr>
+          </a:solidFill>
+          <a:ln>
+            <a:noFill/>
+          </a:ln>
+        </p:spPr>
+        <p:style>
+          <a:lnRef idx="2">
+            <a:schemeClr val="accent1">
+              <a:shade val="50000"/>
+            </a:schemeClr>
+          </a:lnRef>
+          <a:fillRef idx="1">
+            <a:schemeClr val="accent1"/>
+          </a:fillRef>
+          <a:effectRef idx="0">
+            <a:schemeClr val="accent1"/>
+          </a:effectRef>
+          <a:fontRef idx="minor">
+            <a:schemeClr val="lt1"/>
+          </a:fontRef>
+        </p:style>
+        <p:txBody>
+          <a:bodyPr wrap="square" rtlCol="0" anchor="ctr">
+            <a:noAutofit/>
+          </a:bodyPr>
+          <a:lstStyle/>
+          <a:p>
+            <a:pPr algn="ctr"/>
+            <a:endParaRPr lang="en-US"/>
+          </a:p>
+        </p:txBody>
+      </p:sp>
+      <p:sp>
+        <p:nvSpPr>
+          <p:cNvPr id="2" name="Title 1">
+            <a:extLst>
+              <a:ext uri="{FF2B5EF4-FFF2-40B4-BE49-F238E27FC236}">
+                <a16:creationId xmlns:a16="http://schemas.microsoft.com/office/drawing/2014/main" id="{F51E57B5-29D6-4CF5-A04C-C6DAC339FA17}"/>
+              </a:ext>
+            </a:extLst>
+          </p:cNvPr>
+          <p:cNvSpPr>
+            <a:spLocks noGrp="1"/>
+          </p:cNvSpPr>
+          <p:nvPr>
+            <p:ph type="title"/>
+          </p:nvPr>
+        </p:nvSpPr>
+        <p:spPr>
+          <a:xfrm>
+            <a:off x="804672" y="640263"/>
+            <a:ext cx="5157216" cy="1344975"/>
+          </a:xfrm>
+        </p:spPr>
+        <p:txBody>
+          <a:bodyPr>
+            <a:normAutofit/>
+          </a:bodyPr>
+          <a:lstStyle/>
+          <a:p>
+            <a:r>
+              <a:rPr lang="en-GB" sz="4000"/>
+              <a:t>Conclusion</a:t>
+            </a:r>
+          </a:p>
+        </p:txBody>
+      </p:sp>
+      <p:sp>
+        <p:nvSpPr>
+          <p:cNvPr id="3" name="Content Placeholder 2">
+            <a:extLst>
+              <a:ext uri="{FF2B5EF4-FFF2-40B4-BE49-F238E27FC236}">
+                <a16:creationId xmlns:a16="http://schemas.microsoft.com/office/drawing/2014/main" id="{3DADE25F-EF96-451D-9CBD-C972EE8D70A6}"/>
+              </a:ext>
+            </a:extLst>
+          </p:cNvPr>
+          <p:cNvSpPr>
+            <a:spLocks noGrp="1"/>
+          </p:cNvSpPr>
+          <p:nvPr>
+            <p:ph idx="1"/>
+          </p:nvPr>
+        </p:nvSpPr>
+        <p:spPr>
+          <a:xfrm>
+            <a:off x="804672" y="2121763"/>
+            <a:ext cx="5157216" cy="3773010"/>
+          </a:xfrm>
+        </p:spPr>
+        <p:txBody>
+          <a:bodyPr>
+            <a:normAutofit/>
+          </a:bodyPr>
+          <a:lstStyle/>
+          <a:p>
+            <a:pPr marL="0" indent="0">
+              <a:buNone/>
+            </a:pPr>
+            <a:r>
+              <a:rPr lang="en-GB" sz="2000" b="0" i="0" dirty="0">
+                <a:effectLst/>
+                <a:latin typeface="Arial" panose="020B0604020202020204" pitchFamily="34" charset="0"/>
+              </a:rPr>
+              <a:t>After considering the code driven approach to model and simulate results for the given </a:t>
+            </a:r>
+            <a:br>
+              <a:rPr lang="en-GB" sz="2000" dirty="0"/>
+            </a:br>
+            <a:r>
+              <a:rPr lang="en-GB" sz="2000" b="0" i="0" dirty="0">
+                <a:effectLst/>
+                <a:latin typeface="Arial" panose="020B0604020202020204" pitchFamily="34" charset="0"/>
+              </a:rPr>
+              <a:t>problem statement, we can conclude that there all configurations either settle into a stable state averaging a step time of 2 steps meaning these , start looping after a certain number of iterations or end up in a cyclic loop.</a:t>
+            </a:r>
+            <a:br>
+              <a:rPr lang="en-GB" sz="2000" dirty="0"/>
+            </a:br>
+            <a:endParaRPr lang="en-GB" sz="2000" dirty="0"/>
+          </a:p>
+        </p:txBody>
+      </p:sp>
+      <p:pic>
+        <p:nvPicPr>
+          <p:cNvPr id="6" name="Picture 5">
+            <a:extLst>
+              <a:ext uri="{FF2B5EF4-FFF2-40B4-BE49-F238E27FC236}">
+                <a16:creationId xmlns:a16="http://schemas.microsoft.com/office/drawing/2014/main" id="{6E51790B-E858-4445-BEF7-6268918FAEBC}"/>
+              </a:ext>
+            </a:extLst>
+          </p:cNvPr>
+          <p:cNvPicPr>
+            <a:picLocks noChangeAspect="1"/>
+          </p:cNvPicPr>
+          <p:nvPr/>
+        </p:nvPicPr>
+        <p:blipFill>
+          <a:blip r:embed="rId2"/>
+          <a:stretch>
+            <a:fillRect/>
+          </a:stretch>
+        </p:blipFill>
+        <p:spPr>
+          <a:xfrm>
+            <a:off x="6959053" y="374671"/>
+            <a:ext cx="4736963" cy="3221134"/>
+          </a:xfrm>
+          <a:prstGeom prst="rect">
+            <a:avLst/>
+          </a:prstGeom>
+        </p:spPr>
+      </p:pic>
     </p:spTree>
     <p:extLst>
       <p:ext uri="{BB962C8B-B14F-4D97-AF65-F5344CB8AC3E}">
@@ -4473,7 +5771,106 @@
 </p:sld>
 </file>
 
-<file path=ppt/slides/slide7.xml><?xml version="1.0" encoding="utf-8"?>
+<file path=ppt/slides/slide8.xml><?xml version="1.0" encoding="utf-8"?>
+<p:sld xmlns:a="http://schemas.openxmlformats.org/drawingml/2006/main" xmlns:r="http://schemas.openxmlformats.org/officeDocument/2006/relationships" xmlns:p="http://schemas.openxmlformats.org/presentationml/2006/main">
+  <p:cSld>
+    <p:spTree>
+      <p:nvGrpSpPr>
+        <p:cNvPr id="1" name=""/>
+        <p:cNvGrpSpPr/>
+        <p:nvPr/>
+      </p:nvGrpSpPr>
+      <p:grpSpPr>
+        <a:xfrm>
+          <a:off x="0" y="0"/>
+          <a:ext cx="0" cy="0"/>
+          <a:chOff x="0" y="0"/>
+          <a:chExt cx="0" cy="0"/>
+        </a:xfrm>
+      </p:grpSpPr>
+      <p:sp>
+        <p:nvSpPr>
+          <p:cNvPr id="2" name="Title 1">
+            <a:extLst>
+              <a:ext uri="{FF2B5EF4-FFF2-40B4-BE49-F238E27FC236}">
+                <a16:creationId xmlns:a16="http://schemas.microsoft.com/office/drawing/2014/main" id="{C1263244-2CEE-9728-EE0B-A25C627B7915}"/>
+              </a:ext>
+            </a:extLst>
+          </p:cNvPr>
+          <p:cNvSpPr>
+            <a:spLocks noGrp="1"/>
+          </p:cNvSpPr>
+          <p:nvPr>
+            <p:ph type="title"/>
+          </p:nvPr>
+        </p:nvSpPr>
+        <p:spPr/>
+        <p:txBody>
+          <a:bodyPr/>
+          <a:lstStyle/>
+          <a:p>
+            <a:r>
+              <a:rPr lang="en-GB" dirty="0"/>
+              <a:t>Talking points</a:t>
+            </a:r>
+          </a:p>
+        </p:txBody>
+      </p:sp>
+      <p:sp>
+        <p:nvSpPr>
+          <p:cNvPr id="3" name="Content Placeholder 2">
+            <a:extLst>
+              <a:ext uri="{FF2B5EF4-FFF2-40B4-BE49-F238E27FC236}">
+                <a16:creationId xmlns:a16="http://schemas.microsoft.com/office/drawing/2014/main" id="{AD5FDB96-6CCC-E2B7-8E7A-93D3EB91E2F5}"/>
+              </a:ext>
+            </a:extLst>
+          </p:cNvPr>
+          <p:cNvSpPr>
+            <a:spLocks noGrp="1"/>
+          </p:cNvSpPr>
+          <p:nvPr>
+            <p:ph idx="1"/>
+          </p:nvPr>
+        </p:nvSpPr>
+        <p:spPr/>
+        <p:txBody>
+          <a:bodyPr/>
+          <a:lstStyle/>
+          <a:p>
+            <a:r>
+              <a:rPr lang="en-GB" dirty="0"/>
+              <a:t>In introduction make sure the problem statement links to the</a:t>
+            </a:r>
+          </a:p>
+          <a:p>
+            <a:r>
+              <a:rPr lang="en-GB"/>
+              <a:t>In conclusion show </a:t>
+            </a:r>
+            <a:r>
+              <a:rPr lang="en-GB" dirty="0"/>
+              <a:t>how the data is skewed mainly towards 2 step time and what will happen as the number of vertices increases. </a:t>
+            </a:r>
+          </a:p>
+          <a:p>
+            <a:endParaRPr lang="en-GB" dirty="0"/>
+          </a:p>
+        </p:txBody>
+      </p:sp>
+    </p:spTree>
+    <p:extLst>
+      <p:ext uri="{BB962C8B-B14F-4D97-AF65-F5344CB8AC3E}">
+        <p14:creationId xmlns:p14="http://schemas.microsoft.com/office/powerpoint/2010/main" val="244407372"/>
+      </p:ext>
+    </p:extLst>
+  </p:cSld>
+  <p:clrMapOvr>
+    <a:masterClrMapping/>
+  </p:clrMapOvr>
+</p:sld>
+</file>
+
+<file path=ppt/slides/slide9.xml><?xml version="1.0" encoding="utf-8"?>
 <p:sld xmlns:a="http://schemas.openxmlformats.org/drawingml/2006/main" xmlns:r="http://schemas.openxmlformats.org/officeDocument/2006/relationships" xmlns:p="http://schemas.openxmlformats.org/presentationml/2006/main">
   <p:cSld>
     <p:bg>

--- a/Capstone-Presentation.pptx
+++ b/Capstone-Presentation.pptx
@@ -10,10 +10,8 @@
     <p:sldId id="261" r:id="rId4"/>
     <p:sldId id="265" r:id="rId5"/>
     <p:sldId id="264" r:id="rId6"/>
-    <p:sldId id="260" r:id="rId7"/>
-    <p:sldId id="263" r:id="rId8"/>
-    <p:sldId id="266" r:id="rId9"/>
-    <p:sldId id="259" r:id="rId10"/>
+    <p:sldId id="263" r:id="rId7"/>
+    <p:sldId id="259" r:id="rId8"/>
   </p:sldIdLst>
   <p:sldSz cx="12192000" cy="6858000"/>
   <p:notesSz cx="6858000" cy="9144000"/>
@@ -251,7 +249,7 @@
           <a:p>
             <a:fld id="{B3C2DDE4-7892-4B37-BE2A-FBB148A6163C}" type="datetimeFigureOut">
               <a:rPr lang="en-GB" smtClean="0"/>
-              <a:t>04/05/2022</a:t>
+              <a:t>05/05/2022</a:t>
             </a:fld>
             <a:endParaRPr lang="en-GB"/>
           </a:p>
@@ -421,7 +419,7 @@
           <a:p>
             <a:fld id="{B3C2DDE4-7892-4B37-BE2A-FBB148A6163C}" type="datetimeFigureOut">
               <a:rPr lang="en-GB" smtClean="0"/>
-              <a:t>04/05/2022</a:t>
+              <a:t>05/05/2022</a:t>
             </a:fld>
             <a:endParaRPr lang="en-GB"/>
           </a:p>
@@ -601,7 +599,7 @@
           <a:p>
             <a:fld id="{B3C2DDE4-7892-4B37-BE2A-FBB148A6163C}" type="datetimeFigureOut">
               <a:rPr lang="en-GB" smtClean="0"/>
-              <a:t>04/05/2022</a:t>
+              <a:t>05/05/2022</a:t>
             </a:fld>
             <a:endParaRPr lang="en-GB"/>
           </a:p>
@@ -771,7 +769,7 @@
           <a:p>
             <a:fld id="{B3C2DDE4-7892-4B37-BE2A-FBB148A6163C}" type="datetimeFigureOut">
               <a:rPr lang="en-GB" smtClean="0"/>
-              <a:t>04/05/2022</a:t>
+              <a:t>05/05/2022</a:t>
             </a:fld>
             <a:endParaRPr lang="en-GB"/>
           </a:p>
@@ -1017,7 +1015,7 @@
           <a:p>
             <a:fld id="{B3C2DDE4-7892-4B37-BE2A-FBB148A6163C}" type="datetimeFigureOut">
               <a:rPr lang="en-GB" smtClean="0"/>
-              <a:t>04/05/2022</a:t>
+              <a:t>05/05/2022</a:t>
             </a:fld>
             <a:endParaRPr lang="en-GB"/>
           </a:p>
@@ -1249,7 +1247,7 @@
           <a:p>
             <a:fld id="{B3C2DDE4-7892-4B37-BE2A-FBB148A6163C}" type="datetimeFigureOut">
               <a:rPr lang="en-GB" smtClean="0"/>
-              <a:t>04/05/2022</a:t>
+              <a:t>05/05/2022</a:t>
             </a:fld>
             <a:endParaRPr lang="en-GB"/>
           </a:p>
@@ -1616,7 +1614,7 @@
           <a:p>
             <a:fld id="{B3C2DDE4-7892-4B37-BE2A-FBB148A6163C}" type="datetimeFigureOut">
               <a:rPr lang="en-GB" smtClean="0"/>
-              <a:t>04/05/2022</a:t>
+              <a:t>05/05/2022</a:t>
             </a:fld>
             <a:endParaRPr lang="en-GB"/>
           </a:p>
@@ -1734,7 +1732,7 @@
           <a:p>
             <a:fld id="{B3C2DDE4-7892-4B37-BE2A-FBB148A6163C}" type="datetimeFigureOut">
               <a:rPr lang="en-GB" smtClean="0"/>
-              <a:t>04/05/2022</a:t>
+              <a:t>05/05/2022</a:t>
             </a:fld>
             <a:endParaRPr lang="en-GB"/>
           </a:p>
@@ -1829,7 +1827,7 @@
           <a:p>
             <a:fld id="{B3C2DDE4-7892-4B37-BE2A-FBB148A6163C}" type="datetimeFigureOut">
               <a:rPr lang="en-GB" smtClean="0"/>
-              <a:t>04/05/2022</a:t>
+              <a:t>05/05/2022</a:t>
             </a:fld>
             <a:endParaRPr lang="en-GB"/>
           </a:p>
@@ -2106,7 +2104,7 @@
           <a:p>
             <a:fld id="{B3C2DDE4-7892-4B37-BE2A-FBB148A6163C}" type="datetimeFigureOut">
               <a:rPr lang="en-GB" smtClean="0"/>
-              <a:t>04/05/2022</a:t>
+              <a:t>05/05/2022</a:t>
             </a:fld>
             <a:endParaRPr lang="en-GB"/>
           </a:p>
@@ -2363,7 +2361,7 @@
           <a:p>
             <a:fld id="{B3C2DDE4-7892-4B37-BE2A-FBB148A6163C}" type="datetimeFigureOut">
               <a:rPr lang="en-GB" smtClean="0"/>
-              <a:t>04/05/2022</a:t>
+              <a:t>05/05/2022</a:t>
             </a:fld>
             <a:endParaRPr lang="en-GB"/>
           </a:p>
@@ -2576,7 +2574,7 @@
           <a:p>
             <a:fld id="{B3C2DDE4-7892-4B37-BE2A-FBB148A6163C}" type="datetimeFigureOut">
               <a:rPr lang="en-GB" smtClean="0"/>
-              <a:t>04/05/2022</a:t>
+              <a:t>05/05/2022</a:t>
             </a:fld>
             <a:endParaRPr lang="en-GB"/>
           </a:p>
@@ -3489,13 +3487,13 @@
             </a:pPr>
             <a:r>
               <a:rPr lang="en-GB" sz="1900" dirty="0"/>
-              <a:t>Thus a </a:t>
+              <a:t>Thus opinion forming can be modelled using a </a:t>
             </a:r>
             <a:r>
               <a:rPr lang="en-GB" sz="1900" b="0" i="0" dirty="0">
                 <a:effectLst/>
               </a:rPr>
-              <a:t>network where each vertex represents a person, the colour of the vertex determines the opinion of that individual and the edge joining two vertices is a relationship between individuals</a:t>
+              <a:t>network where each vertex represents a person, the colour of the vertex determines the opinion of that individual and the edge joining two vertices is a relationship between individuals.</a:t>
             </a:r>
           </a:p>
           <a:p>
@@ -4083,8 +4081,8 @@
         </p:nvSpPr>
         <p:spPr>
           <a:xfrm>
-            <a:off x="804672" y="2022601"/>
-            <a:ext cx="3941499" cy="4154361"/>
+            <a:off x="804672" y="1451113"/>
+            <a:ext cx="4317293" cy="4725849"/>
           </a:xfrm>
         </p:spPr>
         <p:txBody>
@@ -4094,14 +4092,14 @@
           <a:lstStyle/>
           <a:p>
             <a:r>
-              <a:rPr lang="en-GB" sz="1900"/>
-              <a:t>To model this in terms of a problem computer could understand, we used data structures like adjacency matrices, lists and arrays. The programming language of choice was python since it opened possibilities to visualising all the possible graphs and their variations.</a:t>
-            </a:r>
-          </a:p>
-          <a:p>
-            <a:r>
-              <a:rPr lang="en-GB" sz="1900"/>
-              <a:t>Initially, the graphs were hand drawn and the calculation were done manually but once the logic was straightened out, using code everything was automated.</a:t>
+              <a:rPr lang="en-GB" sz="1900" dirty="0"/>
+              <a:t>To model this in terms of a problem computer could understand, we used data structures like adjacency matrices, lists and arrays. The programming language of choice was python since it opened possibilities to visualising all the possible graphs and their variations </a:t>
+            </a:r>
+          </a:p>
+          <a:p>
+            <a:r>
+              <a:rPr lang="en-GB" sz="1900" dirty="0"/>
+              <a:t>Initially, the graphs were hand drawn and the calculation were done manually but once the logic was worked out, using various functions everything was automated. The python file produces various insights on this problem just by taking the number of vertices for the graph as an input.</a:t>
             </a:r>
           </a:p>
         </p:txBody>
@@ -5295,89 +5293,6 @@
 <file path=ppt/slides/slide6.xml><?xml version="1.0" encoding="utf-8"?>
 <p:sld xmlns:a="http://schemas.openxmlformats.org/drawingml/2006/main" xmlns:r="http://schemas.openxmlformats.org/officeDocument/2006/relationships" xmlns:p="http://schemas.openxmlformats.org/presentationml/2006/main">
   <p:cSld>
-    <p:spTree>
-      <p:nvGrpSpPr>
-        <p:cNvPr id="1" name=""/>
-        <p:cNvGrpSpPr/>
-        <p:nvPr/>
-      </p:nvGrpSpPr>
-      <p:grpSpPr>
-        <a:xfrm>
-          <a:off x="0" y="0"/>
-          <a:ext cx="0" cy="0"/>
-          <a:chOff x="0" y="0"/>
-          <a:chExt cx="0" cy="0"/>
-        </a:xfrm>
-      </p:grpSpPr>
-      <p:sp>
-        <p:nvSpPr>
-          <p:cNvPr id="2" name="Title 1">
-            <a:extLst>
-              <a:ext uri="{FF2B5EF4-FFF2-40B4-BE49-F238E27FC236}">
-                <a16:creationId xmlns:a16="http://schemas.microsoft.com/office/drawing/2014/main" id="{F51E57B5-29D6-4CF5-A04C-C6DAC339FA17}"/>
-              </a:ext>
-            </a:extLst>
-          </p:cNvPr>
-          <p:cNvSpPr>
-            <a:spLocks noGrp="1"/>
-          </p:cNvSpPr>
-          <p:nvPr>
-            <p:ph type="title"/>
-          </p:nvPr>
-        </p:nvSpPr>
-        <p:spPr/>
-        <p:txBody>
-          <a:bodyPr/>
-          <a:lstStyle/>
-          <a:p>
-            <a:r>
-              <a:rPr lang="en-GB" dirty="0"/>
-              <a:t>Results</a:t>
-            </a:r>
-          </a:p>
-        </p:txBody>
-      </p:sp>
-      <p:sp>
-        <p:nvSpPr>
-          <p:cNvPr id="3" name="Content Placeholder 2">
-            <a:extLst>
-              <a:ext uri="{FF2B5EF4-FFF2-40B4-BE49-F238E27FC236}">
-                <a16:creationId xmlns:a16="http://schemas.microsoft.com/office/drawing/2014/main" id="{3DADE25F-EF96-451D-9CBD-C972EE8D70A6}"/>
-              </a:ext>
-            </a:extLst>
-          </p:cNvPr>
-          <p:cNvSpPr>
-            <a:spLocks noGrp="1"/>
-          </p:cNvSpPr>
-          <p:nvPr>
-            <p:ph idx="1"/>
-          </p:nvPr>
-        </p:nvSpPr>
-        <p:spPr/>
-        <p:txBody>
-          <a:bodyPr/>
-          <a:lstStyle/>
-          <a:p>
-            <a:endParaRPr lang="en-GB" dirty="0"/>
-          </a:p>
-        </p:txBody>
-      </p:sp>
-    </p:spTree>
-    <p:extLst>
-      <p:ext uri="{BB962C8B-B14F-4D97-AF65-F5344CB8AC3E}">
-        <p14:creationId xmlns:p14="http://schemas.microsoft.com/office/powerpoint/2010/main" val="3746360438"/>
-      </p:ext>
-    </p:extLst>
-  </p:cSld>
-  <p:clrMapOvr>
-    <a:masterClrMapping/>
-  </p:clrMapOvr>
-</p:sld>
-</file>
-
-<file path=ppt/slides/slide7.xml><?xml version="1.0" encoding="utf-8"?>
-<p:sld xmlns:a="http://schemas.openxmlformats.org/drawingml/2006/main" xmlns:r="http://schemas.openxmlformats.org/officeDocument/2006/relationships" xmlns:p="http://schemas.openxmlformats.org/presentationml/2006/main">
-  <p:cSld>
     <p:bg>
       <p:bgPr>
         <a:solidFill>
@@ -5400,12 +5315,12 @@
           <a:chExt cx="0" cy="0"/>
         </a:xfrm>
       </p:grpSpPr>
-      <p:sp>
-        <p:nvSpPr>
-          <p:cNvPr id="28" name="Rectangle 19">
+      <p:sp useBgFill="1">
+        <p:nvSpPr>
+          <p:cNvPr id="57" name="Rectangle 56">
             <a:extLst>
               <a:ext uri="{FF2B5EF4-FFF2-40B4-BE49-F238E27FC236}">
-                <a16:creationId xmlns:a16="http://schemas.microsoft.com/office/drawing/2014/main" id="{C7FA33FF-088D-4F16-95A2-2C64D353DEA8}"/>
+                <a16:creationId xmlns:a16="http://schemas.microsoft.com/office/drawing/2014/main" id="{0D7B6173-1D58-48E2-83CF-37350F315F75}"/>
               </a:ext>
               <a:ext uri="{C183D7F6-B498-43B3-948B-1728B52AA6E4}">
                 <adec:decorative xmlns:adec="http://schemas.microsoft.com/office/drawing/2017/decorative" val="1"/>
@@ -5425,15 +5340,12 @@
         </p:nvSpPr>
         <p:spPr>
           <a:xfrm>
-            <a:off x="1524" y="0"/>
+            <a:off x="0" y="-1"/>
             <a:ext cx="12188952" cy="6858000"/>
           </a:xfrm>
           <a:prstGeom prst="rect">
             <a:avLst/>
           </a:prstGeom>
-          <a:solidFill>
-            <a:schemeClr val="tx1"/>
-          </a:solidFill>
           <a:ln>
             <a:noFill/>
           </a:ln>
@@ -5465,10 +5377,10 @@
       </p:sp>
       <p:sp>
         <p:nvSpPr>
-          <p:cNvPr id="29" name="Rectangle 21">
+          <p:cNvPr id="59" name="Rectangle 58">
             <a:extLst>
               <a:ext uri="{FF2B5EF4-FFF2-40B4-BE49-F238E27FC236}">
-                <a16:creationId xmlns:a16="http://schemas.microsoft.com/office/drawing/2014/main" id="{A376EFB1-01CF-419F-ABF1-2AF02BBFCBD1}"/>
+                <a16:creationId xmlns:a16="http://schemas.microsoft.com/office/drawing/2014/main" id="{35D813D1-BA6B-40B4-A101-04BB89445561}"/>
               </a:ext>
               <a:ext uri="{C183D7F6-B498-43B3-948B-1728B52AA6E4}">
                 <adec:decorative xmlns:adec="http://schemas.microsoft.com/office/drawing/2017/decorative" val="1"/>
@@ -5488,15 +5400,15 @@
         </p:nvSpPr>
         <p:spPr>
           <a:xfrm>
-            <a:off x="-1" y="0"/>
-            <a:ext cx="6464595" cy="6858000"/>
+            <a:off x="0" y="0"/>
+            <a:ext cx="12188952" cy="6858000"/>
           </a:xfrm>
           <a:prstGeom prst="rect">
             <a:avLst/>
           </a:prstGeom>
           <a:solidFill>
-            <a:schemeClr val="bg1">
-              <a:alpha val="81000"/>
+            <a:schemeClr val="bg2">
+              <a:alpha val="50000"/>
             </a:schemeClr>
           </a:solidFill>
           <a:ln>
@@ -5524,25 +5436,25 @@
           <a:lstStyle/>
           <a:p>
             <a:pPr algn="ctr"/>
-            <a:endParaRPr lang="en-US"/>
-          </a:p>
-        </p:txBody>
-      </p:sp>
-      <p:sp>
-        <p:nvSpPr>
-          <p:cNvPr id="30" name="Freeform: Shape 23">
+            <a:endParaRPr lang="en-US" dirty="0"/>
+          </a:p>
+        </p:txBody>
+      </p:sp>
+      <p:pic>
+        <p:nvPicPr>
+          <p:cNvPr id="61" name="Picture 60">
             <a:extLst>
               <a:ext uri="{FF2B5EF4-FFF2-40B4-BE49-F238E27FC236}">
-                <a16:creationId xmlns:a16="http://schemas.microsoft.com/office/drawing/2014/main" id="{FF9DEA15-78BD-4750-AA18-B9F28A6D5AB8}"/>
+                <a16:creationId xmlns:a16="http://schemas.microsoft.com/office/drawing/2014/main" id="{B0DAC8FB-A162-44E3-A606-C855A03A5B09}"/>
               </a:ext>
               <a:ext uri="{C183D7F6-B498-43B3-948B-1728B52AA6E4}">
                 <adec:decorative xmlns:adec="http://schemas.microsoft.com/office/drawing/2017/decorative" val="1"/>
               </a:ext>
             </a:extLst>
           </p:cNvPr>
-          <p:cNvSpPr>
-            <a:spLocks noGrp="1" noRot="1" noChangeAspect="1" noMove="1" noResize="1" noEditPoints="1" noAdjustHandles="1" noChangeArrowheads="1" noChangeShapeType="1" noTextEdit="1"/>
-          </p:cNvSpPr>
+          <p:cNvPicPr>
+            <a:picLocks noGrp="1" noRot="1" noChangeAspect="1" noMove="1" noResize="1" noEditPoints="1" noAdjustHandles="1" noChangeArrowheads="1" noChangeShapeType="1" noCrop="1"/>
+          </p:cNvPicPr>
           <p:nvPr>
             <p:extLst>
               <p:ext uri="{386F3935-93C4-4BCD-93E2-E3B085C9AB24}">
@@ -5550,61 +5462,63 @@
               </p:ext>
             </p:extLst>
           </p:nvPr>
-        </p:nvSpPr>
-        <p:spPr>
-          <a:xfrm>
-            <a:off x="-1" y="0"/>
-            <a:ext cx="4546337" cy="6858000"/>
-          </a:xfrm>
-          <a:custGeom>
+        </p:nvPicPr>
+        <p:blipFill>
+          <a:blip r:embed="rId2">
+            <a:extLst>
+              <a:ext uri="{28A0092B-C50C-407E-A947-70E740481C1C}">
+                <a14:useLocalDpi xmlns:a14="http://schemas.microsoft.com/office/drawing/2010/main" val="0"/>
+              </a:ext>
+            </a:extLst>
+          </a:blip>
+          <a:stretch>
+            <a:fillRect/>
+          </a:stretch>
+        </p:blipFill>
+        <p:spPr>
+          <a:xfrm>
+            <a:off x="0" y="0"/>
+            <a:ext cx="12188952" cy="6862380"/>
+          </a:xfrm>
+          <a:prstGeom prst="rect">
             <a:avLst/>
-            <a:gdLst>
-              <a:gd name="connsiteX0" fmla="*/ 0 w 4319042"/>
-              <a:gd name="connsiteY0" fmla="*/ 0 h 6858000"/>
-              <a:gd name="connsiteX1" fmla="*/ 1142888 w 4319042"/>
-              <a:gd name="connsiteY1" fmla="*/ 0 h 6858000"/>
-              <a:gd name="connsiteX2" fmla="*/ 4319042 w 4319042"/>
-              <a:gd name="connsiteY2" fmla="*/ 6858000 h 6858000"/>
-              <a:gd name="connsiteX3" fmla="*/ 0 w 4319042"/>
-              <a:gd name="connsiteY3" fmla="*/ 6858000 h 6858000"/>
-            </a:gdLst>
-            <a:ahLst/>
-            <a:cxnLst>
-              <a:cxn ang="0">
-                <a:pos x="connsiteX0" y="connsiteY0"/>
-              </a:cxn>
-              <a:cxn ang="0">
-                <a:pos x="connsiteX1" y="connsiteY1"/>
-              </a:cxn>
-              <a:cxn ang="0">
-                <a:pos x="connsiteX2" y="connsiteY2"/>
-              </a:cxn>
-              <a:cxn ang="0">
-                <a:pos x="connsiteX3" y="connsiteY3"/>
-              </a:cxn>
-            </a:cxnLst>
-            <a:rect l="l" t="t" r="r" b="b"/>
-            <a:pathLst>
-              <a:path w="4319042" h="6858000">
-                <a:moveTo>
-                  <a:pt x="0" y="0"/>
-                </a:moveTo>
-                <a:lnTo>
-                  <a:pt x="1142888" y="0"/>
-                </a:lnTo>
-                <a:lnTo>
-                  <a:pt x="4319042" y="6858000"/>
-                </a:lnTo>
-                <a:lnTo>
-                  <a:pt x="0" y="6858000"/>
-                </a:lnTo>
-                <a:close/>
-              </a:path>
-            </a:pathLst>
-          </a:custGeom>
+          </a:prstGeom>
+        </p:spPr>
+      </p:pic>
+      <p:sp>
+        <p:nvSpPr>
+          <p:cNvPr id="63" name="Rectangle 62">
+            <a:extLst>
+              <a:ext uri="{FF2B5EF4-FFF2-40B4-BE49-F238E27FC236}">
+                <a16:creationId xmlns:a16="http://schemas.microsoft.com/office/drawing/2014/main" id="{21BDEC81-16A7-4451-B893-C15000083B77}"/>
+              </a:ext>
+              <a:ext uri="{C183D7F6-B498-43B3-948B-1728B52AA6E4}">
+                <adec:decorative xmlns:adec="http://schemas.microsoft.com/office/drawing/2017/decorative" val="1"/>
+              </a:ext>
+            </a:extLst>
+          </p:cNvPr>
+          <p:cNvSpPr>
+            <a:spLocks noGrp="1" noRot="1" noChangeAspect="1" noMove="1" noResize="1" noEditPoints="1" noAdjustHandles="1" noChangeArrowheads="1" noChangeShapeType="1" noTextEdit="1"/>
+          </p:cNvSpPr>
+          <p:nvPr>
+            <p:extLst>
+              <p:ext uri="{386F3935-93C4-4BCD-93E2-E3B085C9AB24}">
+                <p16:designElem xmlns:p16="http://schemas.microsoft.com/office/powerpoint/2015/main" val="1"/>
+              </p:ext>
+            </p:extLst>
+          </p:nvPr>
+        </p:nvSpPr>
+        <p:spPr>
+          <a:xfrm>
+            <a:off x="0" y="0"/>
+            <a:ext cx="12188952" cy="6858000"/>
+          </a:xfrm>
+          <a:prstGeom prst="rect">
+            <a:avLst/>
+          </a:prstGeom>
           <a:solidFill>
-            <a:schemeClr val="bg1">
-              <a:alpha val="35000"/>
+            <a:schemeClr val="accent1">
+              <a:alpha val="20000"/>
             </a:schemeClr>
           </a:solidFill>
           <a:ln>
@@ -5628,13 +5542,87 @@
           </a:fontRef>
         </p:style>
         <p:txBody>
-          <a:bodyPr wrap="square" rtlCol="0" anchor="ctr">
-            <a:noAutofit/>
-          </a:bodyPr>
+          <a:bodyPr rtlCol="0" anchor="ctr"/>
           <a:lstStyle/>
           <a:p>
             <a:pPr algn="ctr"/>
-            <a:endParaRPr lang="en-US"/>
+            <a:endParaRPr lang="en-US" dirty="0"/>
+          </a:p>
+        </p:txBody>
+      </p:sp>
+      <p:sp>
+        <p:nvSpPr>
+          <p:cNvPr id="65" name="Rectangle 64">
+            <a:extLst>
+              <a:ext uri="{FF2B5EF4-FFF2-40B4-BE49-F238E27FC236}">
+                <a16:creationId xmlns:a16="http://schemas.microsoft.com/office/drawing/2014/main" id="{AEA3DFA5-2D7B-4989-8ED7-8321EC114CF1}"/>
+              </a:ext>
+              <a:ext uri="{C183D7F6-B498-43B3-948B-1728B52AA6E4}">
+                <adec:decorative xmlns:adec="http://schemas.microsoft.com/office/drawing/2017/decorative" val="1"/>
+              </a:ext>
+            </a:extLst>
+          </p:cNvPr>
+          <p:cNvSpPr>
+            <a:spLocks noGrp="1" noRot="1" noChangeAspect="1" noMove="1" noResize="1" noEditPoints="1" noAdjustHandles="1" noChangeArrowheads="1" noChangeShapeType="1" noTextEdit="1"/>
+          </p:cNvSpPr>
+          <p:nvPr>
+            <p:extLst>
+              <p:ext uri="{386F3935-93C4-4BCD-93E2-E3B085C9AB24}">
+                <p16:designElem xmlns:p16="http://schemas.microsoft.com/office/powerpoint/2015/main" val="1"/>
+              </p:ext>
+            </p:extLst>
+          </p:nvPr>
+        </p:nvSpPr>
+        <p:spPr>
+          <a:xfrm>
+            <a:off x="536678" y="0"/>
+            <a:ext cx="11145980" cy="6870723"/>
+          </a:xfrm>
+          <a:prstGeom prst="rect">
+            <a:avLst/>
+          </a:prstGeom>
+          <a:solidFill>
+            <a:schemeClr val="bg1"/>
+          </a:solidFill>
+          <a:ln w="34925">
+            <a:noFill/>
+          </a:ln>
+        </p:spPr>
+        <p:style>
+          <a:lnRef idx="2">
+            <a:schemeClr val="accent1">
+              <a:shade val="50000"/>
+            </a:schemeClr>
+          </a:lnRef>
+          <a:fillRef idx="1">
+            <a:schemeClr val="accent1"/>
+          </a:fillRef>
+          <a:effectRef idx="0">
+            <a:schemeClr val="accent1"/>
+          </a:effectRef>
+          <a:fontRef idx="minor">
+            <a:schemeClr val="lt1"/>
+          </a:fontRef>
+        </p:style>
+        <p:txBody>
+          <a:bodyPr rtlCol="0" anchor="ctr"/>
+          <a:lstStyle/>
+          <a:p>
+            <a:pPr algn="ctr"/>
+            <a:endParaRPr lang="en-US" b="1">
+              <a:ln w="22225">
+                <a:solidFill>
+                  <a:schemeClr val="accent2"/>
+                </a:solidFill>
+                <a:prstDash val="solid"/>
+              </a:ln>
+              <a:solidFill>
+                <a:schemeClr val="accent2">
+                  <a:lumMod val="40000"/>
+                  <a:lumOff val="60000"/>
+                </a:schemeClr>
+              </a:solidFill>
+            </a:endParaRPr>
           </a:p>
         </p:txBody>
       </p:sp>
@@ -5656,18 +5644,18 @@
         </p:nvSpPr>
         <p:spPr>
           <a:xfrm>
-            <a:off x="804672" y="640263"/>
-            <a:ext cx="5157216" cy="1344975"/>
-          </a:xfrm>
-        </p:spPr>
-        <p:txBody>
-          <a:bodyPr>
+            <a:off x="1168661" y="339602"/>
+            <a:ext cx="3629555" cy="830456"/>
+          </a:xfrm>
+        </p:spPr>
+        <p:txBody>
+          <a:bodyPr anchor="b">
             <a:normAutofit/>
           </a:bodyPr>
           <a:lstStyle/>
           <a:p>
             <a:r>
-              <a:rPr lang="en-GB" sz="4000"/>
+              <a:rPr lang="en-GB" sz="4800" dirty="0"/>
               <a:t>Conclusion</a:t>
             </a:r>
           </a:p>
@@ -5675,7 +5663,7 @@
       </p:sp>
       <p:sp>
         <p:nvSpPr>
-          <p:cNvPr id="3" name="Content Placeholder 2">
+          <p:cNvPr id="56" name="Content Placeholder 2">
             <a:extLst>
               <a:ext uri="{FF2B5EF4-FFF2-40B4-BE49-F238E27FC236}">
                 <a16:creationId xmlns:a16="http://schemas.microsoft.com/office/drawing/2014/main" id="{3DADE25F-EF96-451D-9CBD-C972EE8D70A6}"/>
@@ -5691,40 +5679,58 @@
         </p:nvSpPr>
         <p:spPr>
           <a:xfrm>
-            <a:off x="804672" y="2121763"/>
-            <a:ext cx="5157216" cy="3773010"/>
+            <a:off x="1168661" y="1170058"/>
+            <a:ext cx="3629555" cy="5581925"/>
           </a:xfrm>
         </p:spPr>
         <p:txBody>
           <a:bodyPr>
-            <a:normAutofit/>
+            <a:normAutofit fontScale="92500" lnSpcReduction="10000"/>
           </a:bodyPr>
           <a:lstStyle/>
           <a:p>
-            <a:pPr marL="0" indent="0">
-              <a:buNone/>
+            <a:pPr>
+              <a:buFontTx/>
+              <a:buChar char="-"/>
             </a:pPr>
             <a:r>
-              <a:rPr lang="en-GB" sz="2000" b="0" i="0" dirty="0">
-                <a:effectLst/>
+              <a:rPr lang="en-GB" sz="1700" dirty="0">
                 <a:latin typeface="Arial" panose="020B0604020202020204" pitchFamily="34" charset="0"/>
               </a:rPr>
-              <a:t>After considering the code driven approach to model and simulate results for the given </a:t>
-            </a:r>
-            <a:br>
-              <a:rPr lang="en-GB" sz="2000" dirty="0"/>
-            </a:br>
-            <a:r>
-              <a:rPr lang="en-GB" sz="2000" b="0" i="0" dirty="0">
-                <a:effectLst/>
+              <a:t>The dataset for all the vertices is positive skewed in terms of step time suggesting that the configurations settle into a stable state very quickly averaging  a step time of 2 for almost all values of n ranging from 2-6. </a:t>
+            </a:r>
+          </a:p>
+          <a:p>
+            <a:pPr>
+              <a:buFontTx/>
+              <a:buChar char="-"/>
+            </a:pPr>
+            <a:r>
+              <a:rPr lang="en-GB" sz="1700" dirty="0">
                 <a:latin typeface="Arial" panose="020B0604020202020204" pitchFamily="34" charset="0"/>
               </a:rPr>
-              <a:t>problem statement, we can conclude that there all configurations either settle into a stable state averaging a step time of 2 steps meaning these , start looping after a certain number of iterations or end up in a cyclic loop.</a:t>
-            </a:r>
-            <a:br>
-              <a:rPr lang="en-GB" sz="2000" dirty="0"/>
-            </a:br>
-            <a:endParaRPr lang="en-GB" sz="2000" dirty="0"/>
+              <a:t>The most common ending colour vector turns out to be [1,1,1,1,1,1,1,1] i.e., 63.8 percent of graphs end with this colour vector as its colour scheme suggesting that the graph turns into state where all the vertices are coloured the same by the time the program ends.</a:t>
+            </a:r>
+          </a:p>
+          <a:p>
+            <a:pPr>
+              <a:buFontTx/>
+              <a:buChar char="-"/>
+            </a:pPr>
+            <a:r>
+              <a:rPr lang="en-GB" sz="1700" dirty="0"/>
+              <a:t>If we were to find a step time greater than 2, we could potentially find graphs going from an orientation such that it starts with 1 colour as a majority and ends up as another colour being the majority.</a:t>
+            </a:r>
+          </a:p>
+          <a:p>
+            <a:pPr>
+              <a:buFontTx/>
+              <a:buChar char="-"/>
+            </a:pPr>
+            <a:r>
+              <a:rPr lang="en-GB" sz="1700" dirty="0"/>
+              <a:t>The value of positive skew is directly proportional to the number of vertices.</a:t>
+            </a:r>
           </a:p>
         </p:txBody>
       </p:sp>
@@ -5743,15 +5749,45 @@
           <p:nvPr/>
         </p:nvPicPr>
         <p:blipFill>
-          <a:blip r:embed="rId2"/>
+          <a:blip r:embed="rId3"/>
           <a:stretch>
             <a:fillRect/>
           </a:stretch>
         </p:blipFill>
         <p:spPr>
           <a:xfrm>
-            <a:off x="6959053" y="374671"/>
-            <a:ext cx="4736963" cy="3221134"/>
+            <a:off x="6881333" y="339602"/>
+            <a:ext cx="4675911" cy="3179620"/>
+          </a:xfrm>
+          <a:prstGeom prst="rect">
+            <a:avLst/>
+          </a:prstGeom>
+        </p:spPr>
+      </p:pic>
+      <p:pic>
+        <p:nvPicPr>
+          <p:cNvPr id="5" name="Picture 4">
+            <a:extLst>
+              <a:ext uri="{FF2B5EF4-FFF2-40B4-BE49-F238E27FC236}">
+                <a16:creationId xmlns:a16="http://schemas.microsoft.com/office/drawing/2014/main" id="{09A83568-5194-E2AA-28DA-0A3C0DD43803}"/>
+              </a:ext>
+            </a:extLst>
+          </p:cNvPr>
+          <p:cNvPicPr>
+            <a:picLocks noChangeAspect="1"/>
+          </p:cNvPicPr>
+          <p:nvPr/>
+        </p:nvPicPr>
+        <p:blipFill>
+          <a:blip r:embed="rId4"/>
+          <a:stretch>
+            <a:fillRect/>
+          </a:stretch>
+        </p:blipFill>
+        <p:spPr>
+          <a:xfrm>
+            <a:off x="4663677" y="4989442"/>
+            <a:ext cx="6991646" cy="1709707"/>
           </a:xfrm>
           <a:prstGeom prst="rect">
             <a:avLst/>
@@ -5771,106 +5807,7 @@
 </p:sld>
 </file>
 
-<file path=ppt/slides/slide8.xml><?xml version="1.0" encoding="utf-8"?>
-<p:sld xmlns:a="http://schemas.openxmlformats.org/drawingml/2006/main" xmlns:r="http://schemas.openxmlformats.org/officeDocument/2006/relationships" xmlns:p="http://schemas.openxmlformats.org/presentationml/2006/main">
-  <p:cSld>
-    <p:spTree>
-      <p:nvGrpSpPr>
-        <p:cNvPr id="1" name=""/>
-        <p:cNvGrpSpPr/>
-        <p:nvPr/>
-      </p:nvGrpSpPr>
-      <p:grpSpPr>
-        <a:xfrm>
-          <a:off x="0" y="0"/>
-          <a:ext cx="0" cy="0"/>
-          <a:chOff x="0" y="0"/>
-          <a:chExt cx="0" cy="0"/>
-        </a:xfrm>
-      </p:grpSpPr>
-      <p:sp>
-        <p:nvSpPr>
-          <p:cNvPr id="2" name="Title 1">
-            <a:extLst>
-              <a:ext uri="{FF2B5EF4-FFF2-40B4-BE49-F238E27FC236}">
-                <a16:creationId xmlns:a16="http://schemas.microsoft.com/office/drawing/2014/main" id="{C1263244-2CEE-9728-EE0B-A25C627B7915}"/>
-              </a:ext>
-            </a:extLst>
-          </p:cNvPr>
-          <p:cNvSpPr>
-            <a:spLocks noGrp="1"/>
-          </p:cNvSpPr>
-          <p:nvPr>
-            <p:ph type="title"/>
-          </p:nvPr>
-        </p:nvSpPr>
-        <p:spPr/>
-        <p:txBody>
-          <a:bodyPr/>
-          <a:lstStyle/>
-          <a:p>
-            <a:r>
-              <a:rPr lang="en-GB" dirty="0"/>
-              <a:t>Talking points</a:t>
-            </a:r>
-          </a:p>
-        </p:txBody>
-      </p:sp>
-      <p:sp>
-        <p:nvSpPr>
-          <p:cNvPr id="3" name="Content Placeholder 2">
-            <a:extLst>
-              <a:ext uri="{FF2B5EF4-FFF2-40B4-BE49-F238E27FC236}">
-                <a16:creationId xmlns:a16="http://schemas.microsoft.com/office/drawing/2014/main" id="{AD5FDB96-6CCC-E2B7-8E7A-93D3EB91E2F5}"/>
-              </a:ext>
-            </a:extLst>
-          </p:cNvPr>
-          <p:cNvSpPr>
-            <a:spLocks noGrp="1"/>
-          </p:cNvSpPr>
-          <p:nvPr>
-            <p:ph idx="1"/>
-          </p:nvPr>
-        </p:nvSpPr>
-        <p:spPr/>
-        <p:txBody>
-          <a:bodyPr/>
-          <a:lstStyle/>
-          <a:p>
-            <a:r>
-              <a:rPr lang="en-GB" dirty="0"/>
-              <a:t>In introduction make sure the problem statement links to the</a:t>
-            </a:r>
-          </a:p>
-          <a:p>
-            <a:r>
-              <a:rPr lang="en-GB"/>
-              <a:t>In conclusion show </a:t>
-            </a:r>
-            <a:r>
-              <a:rPr lang="en-GB" dirty="0"/>
-              <a:t>how the data is skewed mainly towards 2 step time and what will happen as the number of vertices increases. </a:t>
-            </a:r>
-          </a:p>
-          <a:p>
-            <a:endParaRPr lang="en-GB" dirty="0"/>
-          </a:p>
-        </p:txBody>
-      </p:sp>
-    </p:spTree>
-    <p:extLst>
-      <p:ext uri="{BB962C8B-B14F-4D97-AF65-F5344CB8AC3E}">
-        <p14:creationId xmlns:p14="http://schemas.microsoft.com/office/powerpoint/2010/main" val="244407372"/>
-      </p:ext>
-    </p:extLst>
-  </p:cSld>
-  <p:clrMapOvr>
-    <a:masterClrMapping/>
-  </p:clrMapOvr>
-</p:sld>
-</file>
-
-<file path=ppt/slides/slide9.xml><?xml version="1.0" encoding="utf-8"?>
+<file path=ppt/slides/slide7.xml><?xml version="1.0" encoding="utf-8"?>
 <p:sld xmlns:a="http://schemas.openxmlformats.org/drawingml/2006/main" xmlns:r="http://schemas.openxmlformats.org/officeDocument/2006/relationships" xmlns:p="http://schemas.openxmlformats.org/presentationml/2006/main">
   <p:cSld>
     <p:bg>
